--- a/Documentação/users stories ppt.pptx
+++ b/Documentação/users stories ppt.pptx
@@ -253,7 +253,7 @@
           <a:p>
             <a:fld id="{846CE7D5-CF57-46EF-B807-FDD0502418D4}" type="datetimeFigureOut">
               <a:rPr lang="en-US" smtClean="0"/>
-              <a:t>8/24/2021</a:t>
+              <a:t>9/16/2021</a:t>
             </a:fld>
             <a:endParaRPr lang="en-US"/>
           </a:p>
@@ -295,7 +295,7 @@
           <a:p>
             <a:fld id="{330EA680-D336-4FF7-8B7A-9848BB0A1C32}" type="slidenum">
               <a:rPr lang="en-US" smtClean="0"/>
-              <a:t>‹#›</a:t>
+              <a:t>‹nº›</a:t>
             </a:fld>
             <a:endParaRPr lang="en-US"/>
           </a:p>
@@ -423,7 +423,7 @@
           <a:p>
             <a:fld id="{846CE7D5-CF57-46EF-B807-FDD0502418D4}" type="datetimeFigureOut">
               <a:rPr lang="en-US" smtClean="0"/>
-              <a:t>8/24/2021</a:t>
+              <a:t>9/16/2021</a:t>
             </a:fld>
             <a:endParaRPr lang="en-US"/>
           </a:p>
@@ -465,7 +465,7 @@
           <a:p>
             <a:fld id="{330EA680-D336-4FF7-8B7A-9848BB0A1C32}" type="slidenum">
               <a:rPr lang="en-US" smtClean="0"/>
-              <a:t>‹#›</a:t>
+              <a:t>‹nº›</a:t>
             </a:fld>
             <a:endParaRPr lang="en-US"/>
           </a:p>
@@ -603,7 +603,7 @@
           <a:p>
             <a:fld id="{846CE7D5-CF57-46EF-B807-FDD0502418D4}" type="datetimeFigureOut">
               <a:rPr lang="en-US" smtClean="0"/>
-              <a:t>8/24/2021</a:t>
+              <a:t>9/16/2021</a:t>
             </a:fld>
             <a:endParaRPr lang="en-US"/>
           </a:p>
@@ -645,7 +645,7 @@
           <a:p>
             <a:fld id="{330EA680-D336-4FF7-8B7A-9848BB0A1C32}" type="slidenum">
               <a:rPr lang="en-US" smtClean="0"/>
-              <a:t>‹#›</a:t>
+              <a:t>‹nº›</a:t>
             </a:fld>
             <a:endParaRPr lang="en-US"/>
           </a:p>
@@ -773,7 +773,7 @@
           <a:p>
             <a:fld id="{846CE7D5-CF57-46EF-B807-FDD0502418D4}" type="datetimeFigureOut">
               <a:rPr lang="en-US" smtClean="0"/>
-              <a:t>8/24/2021</a:t>
+              <a:t>9/16/2021</a:t>
             </a:fld>
             <a:endParaRPr lang="en-US"/>
           </a:p>
@@ -815,7 +815,7 @@
           <a:p>
             <a:fld id="{330EA680-D336-4FF7-8B7A-9848BB0A1C32}" type="slidenum">
               <a:rPr lang="en-US" smtClean="0"/>
-              <a:t>‹#›</a:t>
+              <a:t>‹nº›</a:t>
             </a:fld>
             <a:endParaRPr lang="en-US"/>
           </a:p>
@@ -1019,7 +1019,7 @@
           <a:p>
             <a:fld id="{846CE7D5-CF57-46EF-B807-FDD0502418D4}" type="datetimeFigureOut">
               <a:rPr lang="en-US" smtClean="0"/>
-              <a:t>8/24/2021</a:t>
+              <a:t>9/16/2021</a:t>
             </a:fld>
             <a:endParaRPr lang="en-US"/>
           </a:p>
@@ -1061,7 +1061,7 @@
           <a:p>
             <a:fld id="{330EA680-D336-4FF7-8B7A-9848BB0A1C32}" type="slidenum">
               <a:rPr lang="en-US" smtClean="0"/>
-              <a:t>‹#›</a:t>
+              <a:t>‹nº›</a:t>
             </a:fld>
             <a:endParaRPr lang="en-US"/>
           </a:p>
@@ -1251,7 +1251,7 @@
           <a:p>
             <a:fld id="{846CE7D5-CF57-46EF-B807-FDD0502418D4}" type="datetimeFigureOut">
               <a:rPr lang="en-US" smtClean="0"/>
-              <a:t>8/24/2021</a:t>
+              <a:t>9/16/2021</a:t>
             </a:fld>
             <a:endParaRPr lang="en-US"/>
           </a:p>
@@ -1293,7 +1293,7 @@
           <a:p>
             <a:fld id="{330EA680-D336-4FF7-8B7A-9848BB0A1C32}" type="slidenum">
               <a:rPr lang="en-US" smtClean="0"/>
-              <a:t>‹#›</a:t>
+              <a:t>‹nº›</a:t>
             </a:fld>
             <a:endParaRPr lang="en-US"/>
           </a:p>
@@ -1618,7 +1618,7 @@
           <a:p>
             <a:fld id="{846CE7D5-CF57-46EF-B807-FDD0502418D4}" type="datetimeFigureOut">
               <a:rPr lang="en-US" smtClean="0"/>
-              <a:t>8/24/2021</a:t>
+              <a:t>9/16/2021</a:t>
             </a:fld>
             <a:endParaRPr lang="en-US"/>
           </a:p>
@@ -1660,7 +1660,7 @@
           <a:p>
             <a:fld id="{330EA680-D336-4FF7-8B7A-9848BB0A1C32}" type="slidenum">
               <a:rPr lang="en-US" smtClean="0"/>
-              <a:t>‹#›</a:t>
+              <a:t>‹nº›</a:t>
             </a:fld>
             <a:endParaRPr lang="en-US"/>
           </a:p>
@@ -1736,7 +1736,7 @@
           <a:p>
             <a:fld id="{846CE7D5-CF57-46EF-B807-FDD0502418D4}" type="datetimeFigureOut">
               <a:rPr lang="en-US" smtClean="0"/>
-              <a:t>8/24/2021</a:t>
+              <a:t>9/16/2021</a:t>
             </a:fld>
             <a:endParaRPr lang="en-US"/>
           </a:p>
@@ -1778,7 +1778,7 @@
           <a:p>
             <a:fld id="{330EA680-D336-4FF7-8B7A-9848BB0A1C32}" type="slidenum">
               <a:rPr lang="en-US" smtClean="0"/>
-              <a:t>‹#›</a:t>
+              <a:t>‹nº›</a:t>
             </a:fld>
             <a:endParaRPr lang="en-US"/>
           </a:p>
@@ -1831,7 +1831,7 @@
           <a:p>
             <a:fld id="{846CE7D5-CF57-46EF-B807-FDD0502418D4}" type="datetimeFigureOut">
               <a:rPr lang="en-US" smtClean="0"/>
-              <a:t>8/24/2021</a:t>
+              <a:t>9/16/2021</a:t>
             </a:fld>
             <a:endParaRPr lang="en-US"/>
           </a:p>
@@ -1873,7 +1873,7 @@
           <a:p>
             <a:fld id="{330EA680-D336-4FF7-8B7A-9848BB0A1C32}" type="slidenum">
               <a:rPr lang="en-US" smtClean="0"/>
-              <a:t>‹#›</a:t>
+              <a:t>‹nº›</a:t>
             </a:fld>
             <a:endParaRPr lang="en-US"/>
           </a:p>
@@ -2108,7 +2108,7 @@
           <a:p>
             <a:fld id="{846CE7D5-CF57-46EF-B807-FDD0502418D4}" type="datetimeFigureOut">
               <a:rPr lang="en-US" smtClean="0"/>
-              <a:t>8/24/2021</a:t>
+              <a:t>9/16/2021</a:t>
             </a:fld>
             <a:endParaRPr lang="en-US"/>
           </a:p>
@@ -2150,7 +2150,7 @@
           <a:p>
             <a:fld id="{330EA680-D336-4FF7-8B7A-9848BB0A1C32}" type="slidenum">
               <a:rPr lang="en-US" smtClean="0"/>
-              <a:t>‹#›</a:t>
+              <a:t>‹nº›</a:t>
             </a:fld>
             <a:endParaRPr lang="en-US"/>
           </a:p>
@@ -2365,7 +2365,7 @@
           <a:p>
             <a:fld id="{846CE7D5-CF57-46EF-B807-FDD0502418D4}" type="datetimeFigureOut">
               <a:rPr lang="en-US" smtClean="0"/>
-              <a:t>8/24/2021</a:t>
+              <a:t>9/16/2021</a:t>
             </a:fld>
             <a:endParaRPr lang="en-US"/>
           </a:p>
@@ -2407,7 +2407,7 @@
           <a:p>
             <a:fld id="{330EA680-D336-4FF7-8B7A-9848BB0A1C32}" type="slidenum">
               <a:rPr lang="en-US" smtClean="0"/>
-              <a:t>‹#›</a:t>
+              <a:t>‹nº›</a:t>
             </a:fld>
             <a:endParaRPr lang="en-US"/>
           </a:p>
@@ -2578,7 +2578,7 @@
           <a:p>
             <a:fld id="{846CE7D5-CF57-46EF-B807-FDD0502418D4}" type="datetimeFigureOut">
               <a:rPr lang="en-US" smtClean="0"/>
-              <a:t>8/24/2021</a:t>
+              <a:t>9/16/2021</a:t>
             </a:fld>
             <a:endParaRPr lang="en-US"/>
           </a:p>
@@ -2656,7 +2656,7 @@
           <a:p>
             <a:fld id="{330EA680-D336-4FF7-8B7A-9848BB0A1C32}" type="slidenum">
               <a:rPr lang="en-US" smtClean="0"/>
-              <a:t>‹#›</a:t>
+              <a:t>‹nº›</a:t>
             </a:fld>
             <a:endParaRPr lang="en-US"/>
           </a:p>
@@ -2985,10 +2985,10 @@
       </p:grpSpPr>
       <p:sp>
         <p:nvSpPr>
-          <p:cNvPr id="4" name="Rectangle 3">
+          <p:cNvPr id="10" name="Rectangle 1">
             <a:extLst>
               <a:ext uri="{FF2B5EF4-FFF2-40B4-BE49-F238E27FC236}">
-                <a16:creationId xmlns:a16="http://schemas.microsoft.com/office/drawing/2014/main" id="{E72949BA-6AA1-41B6-BFCA-0FB486035522}"/>
+                <a16:creationId xmlns:a16="http://schemas.microsoft.com/office/drawing/2014/main" id="{FDD08F72-542A-4FA3-B377-D23A9168D8D1}"/>
               </a:ext>
             </a:extLst>
           </p:cNvPr>
@@ -2997,248 +2997,8 @@
         </p:nvSpPr>
         <p:spPr>
           <a:xfrm>
-            <a:off x="448574" y="843951"/>
-            <a:ext cx="2602300" cy="2587923"/>
-          </a:xfrm>
-          <a:prstGeom prst="rect">
-            <a:avLst/>
-          </a:prstGeom>
-          <a:solidFill>
-            <a:srgbClr val="C00000"/>
-          </a:solidFill>
-        </p:spPr>
-        <p:style>
-          <a:lnRef idx="2">
-            <a:schemeClr val="accent1">
-              <a:shade val="50000"/>
-            </a:schemeClr>
-          </a:lnRef>
-          <a:fillRef idx="1">
-            <a:schemeClr val="accent1"/>
-          </a:fillRef>
-          <a:effectRef idx="0">
-            <a:schemeClr val="accent1"/>
-          </a:effectRef>
-          <a:fontRef idx="minor">
-            <a:schemeClr val="lt1"/>
-          </a:fontRef>
-        </p:style>
-        <p:txBody>
-          <a:bodyPr rtlCol="0" anchor="ctr"/>
-          <a:lstStyle/>
-          <a:p>
-            <a:pPr algn="ctr"/>
-            <a:r>
-              <a:rPr lang="en-US" dirty="0">
-                <a:cs typeface="Calibri"/>
-              </a:rPr>
-              <a:t>Eu </a:t>
-            </a:r>
-            <a:r>
-              <a:rPr lang="en-US" dirty="0" err="1">
-                <a:cs typeface="Calibri"/>
-              </a:rPr>
-              <a:t>como</a:t>
-            </a:r>
-            <a:r>
-              <a:rPr lang="en-US" dirty="0">
-                <a:cs typeface="Calibri"/>
-              </a:rPr>
-              <a:t> </a:t>
-            </a:r>
-            <a:r>
-              <a:rPr lang="en-US" dirty="0" err="1">
-                <a:cs typeface="Calibri"/>
-              </a:rPr>
-              <a:t>atleta</a:t>
-            </a:r>
-            <a:r>
-              <a:rPr lang="en-US" dirty="0">
-                <a:cs typeface="Calibri"/>
-              </a:rPr>
-              <a:t> </a:t>
-            </a:r>
-            <a:r>
-              <a:rPr lang="en-US" dirty="0" err="1">
-                <a:cs typeface="Calibri"/>
-              </a:rPr>
-              <a:t>amador</a:t>
-            </a:r>
-            <a:r>
-              <a:rPr lang="en-US" dirty="0">
-                <a:cs typeface="Calibri"/>
-              </a:rPr>
-              <a:t> </a:t>
-            </a:r>
-            <a:r>
-              <a:rPr lang="en-US" dirty="0" err="1">
-                <a:cs typeface="Calibri"/>
-              </a:rPr>
-              <a:t>ou</a:t>
-            </a:r>
-            <a:r>
-              <a:rPr lang="en-US" dirty="0">
-                <a:cs typeface="Calibri"/>
-              </a:rPr>
-              <a:t> </a:t>
-            </a:r>
-            <a:r>
-              <a:rPr lang="en-US" dirty="0" err="1">
-                <a:cs typeface="Calibri"/>
-              </a:rPr>
-              <a:t>alguem</a:t>
-            </a:r>
-            <a:r>
-              <a:rPr lang="en-US" dirty="0">
-                <a:cs typeface="Calibri"/>
-              </a:rPr>
-              <a:t> que </a:t>
-            </a:r>
-            <a:r>
-              <a:rPr lang="en-US" dirty="0" err="1">
-                <a:cs typeface="Calibri"/>
-              </a:rPr>
-              <a:t>pratico</a:t>
-            </a:r>
-            <a:r>
-              <a:rPr lang="en-US" dirty="0">
-                <a:cs typeface="Calibri"/>
-              </a:rPr>
-              <a:t> </a:t>
-            </a:r>
-            <a:r>
-              <a:rPr lang="en-US" dirty="0" err="1">
-                <a:cs typeface="Calibri"/>
-              </a:rPr>
-              <a:t>esportes</a:t>
-            </a:r>
-            <a:r>
-              <a:rPr lang="en-US" dirty="0">
-                <a:cs typeface="Calibri"/>
-              </a:rPr>
-              <a:t> com </a:t>
-            </a:r>
-            <a:r>
-              <a:rPr lang="en-US" dirty="0" err="1">
-                <a:cs typeface="Calibri"/>
-              </a:rPr>
-              <a:t>frequencia</a:t>
-            </a:r>
-            <a:r>
-              <a:rPr lang="en-US" dirty="0">
-                <a:cs typeface="Calibri"/>
-              </a:rPr>
-              <a:t> </a:t>
-            </a:r>
-            <a:r>
-              <a:rPr lang="en-US" dirty="0" err="1">
-                <a:cs typeface="Calibri"/>
-              </a:rPr>
-              <a:t>reduzida</a:t>
-            </a:r>
-            <a:r>
-              <a:rPr lang="en-US" dirty="0">
-                <a:cs typeface="Calibri"/>
-              </a:rPr>
-              <a:t> </a:t>
-            </a:r>
-            <a:r>
-              <a:rPr lang="en-US" dirty="0" err="1">
-                <a:cs typeface="Calibri"/>
-              </a:rPr>
-              <a:t>gostaria</a:t>
-            </a:r>
-            <a:r>
-              <a:rPr lang="en-US" dirty="0">
-                <a:cs typeface="Calibri"/>
-              </a:rPr>
-              <a:t> de </a:t>
-            </a:r>
-            <a:r>
-              <a:rPr lang="en-US" dirty="0" err="1">
-                <a:cs typeface="Calibri"/>
-              </a:rPr>
-              <a:t>ter</a:t>
-            </a:r>
-            <a:r>
-              <a:rPr lang="en-US" dirty="0">
-                <a:cs typeface="Calibri"/>
-              </a:rPr>
-              <a:t> </a:t>
-            </a:r>
-            <a:r>
-              <a:rPr lang="en-US" dirty="0" err="1">
-                <a:cs typeface="Calibri"/>
-              </a:rPr>
-              <a:t>algum</a:t>
-            </a:r>
-            <a:r>
-              <a:rPr lang="en-US" dirty="0">
-                <a:cs typeface="Calibri"/>
-              </a:rPr>
-              <a:t> app que me </a:t>
-            </a:r>
-            <a:r>
-              <a:rPr lang="en-US" dirty="0" err="1">
-                <a:cs typeface="Calibri"/>
-              </a:rPr>
-              <a:t>mostrasse</a:t>
-            </a:r>
-            <a:r>
-              <a:rPr lang="en-US" dirty="0">
-                <a:cs typeface="Calibri"/>
-              </a:rPr>
-              <a:t> um local para </a:t>
-            </a:r>
-            <a:r>
-              <a:rPr lang="en-US" dirty="0" err="1">
-                <a:cs typeface="Calibri"/>
-              </a:rPr>
-              <a:t>treinar</a:t>
-            </a:r>
-            <a:r>
-              <a:rPr lang="en-US" dirty="0">
-                <a:cs typeface="Calibri"/>
-              </a:rPr>
-              <a:t>/</a:t>
-            </a:r>
-            <a:r>
-              <a:rPr lang="en-US" dirty="0" err="1">
-                <a:cs typeface="Calibri"/>
-              </a:rPr>
-              <a:t>praticar</a:t>
-            </a:r>
-            <a:r>
-              <a:rPr lang="en-US" dirty="0">
-                <a:cs typeface="Calibri"/>
-              </a:rPr>
-              <a:t> </a:t>
-            </a:r>
-            <a:r>
-              <a:rPr lang="en-US" dirty="0" err="1">
-                <a:cs typeface="Calibri"/>
-              </a:rPr>
-              <a:t>esporte</a:t>
-            </a:r>
-          </a:p>
-        </p:txBody>
-      </p:sp>
-      <p:sp>
-        <p:nvSpPr>
-          <p:cNvPr id="5" name="Rectangle 4">
-            <a:extLst>
-              <a:ext uri="{FF2B5EF4-FFF2-40B4-BE49-F238E27FC236}">
-                <a16:creationId xmlns:a16="http://schemas.microsoft.com/office/drawing/2014/main" id="{A02BF30E-DAA1-48B5-93EA-11D74DF16B73}"/>
-              </a:ext>
-            </a:extLst>
-          </p:cNvPr>
-          <p:cNvSpPr/>
-          <p:nvPr/>
-        </p:nvSpPr>
-        <p:spPr>
-          <a:xfrm>
-            <a:off x="4487714" y="3688646"/>
-            <a:ext cx="2976112" cy="2587923"/>
+            <a:off x="4503754" y="697001"/>
+            <a:ext cx="3041346" cy="1955319"/>
           </a:xfrm>
           <a:prstGeom prst="rect">
             <a:avLst/>
@@ -3266,195 +3026,225 @@
           <a:p>
             <a:pPr algn="ctr"/>
             <a:r>
+              <a:rPr lang="en-US" dirty="0" err="1" smtClean="0">
+                <a:cs typeface="Calibri"/>
+              </a:rPr>
+              <a:t>Eu</a:t>
+            </a:r>
+            <a:r>
+              <a:rPr lang="en-US" dirty="0" smtClean="0">
+                <a:cs typeface="Calibri"/>
+              </a:rPr>
+              <a:t>, </a:t>
+            </a:r>
+            <a:r>
+              <a:rPr lang="en-US" dirty="0" err="1">
+                <a:cs typeface="Calibri"/>
+              </a:rPr>
+              <a:t>como</a:t>
+            </a:r>
+            <a:r>
               <a:rPr lang="en-US" dirty="0">
                 <a:cs typeface="Calibri"/>
               </a:rPr>
-              <a:t>Eu </a:t>
+              <a:t> </a:t>
             </a:r>
             <a:r>
               <a:rPr lang="en-US" dirty="0" err="1">
                 <a:cs typeface="Calibri"/>
               </a:rPr>
-              <a:t>como</a:t>
+              <a:t>dono</a:t>
             </a:r>
             <a:r>
               <a:rPr lang="en-US" dirty="0">
                 <a:cs typeface="Calibri"/>
               </a:rPr>
+              <a:t> de </a:t>
+            </a:r>
+            <a:r>
+              <a:rPr lang="en-US" dirty="0" err="1" smtClean="0">
+                <a:cs typeface="Calibri"/>
+              </a:rPr>
+              <a:t>clube</a:t>
+            </a:r>
+            <a:r>
+              <a:rPr lang="en-US" dirty="0" smtClean="0">
+                <a:cs typeface="Calibri"/>
+              </a:rPr>
+              <a:t>, </a:t>
+            </a:r>
+            <a:r>
+              <a:rPr lang="en-US" dirty="0" err="1">
+                <a:cs typeface="Calibri"/>
+              </a:rPr>
+              <a:t>gostaria</a:t>
+            </a:r>
+            <a:r>
+              <a:rPr lang="en-US" dirty="0">
+                <a:cs typeface="Calibri"/>
+              </a:rPr>
+              <a:t> de </a:t>
+            </a:r>
+            <a:r>
+              <a:rPr lang="en-US" dirty="0" err="1">
+                <a:cs typeface="Calibri"/>
+              </a:rPr>
+              <a:t>ter</a:t>
+            </a:r>
+            <a:r>
+              <a:rPr lang="en-US" dirty="0">
+                <a:cs typeface="Calibri"/>
+              </a:rPr>
               <a:t> </a:t>
             </a:r>
             <a:r>
               <a:rPr lang="en-US" dirty="0" err="1">
                 <a:cs typeface="Calibri"/>
               </a:rPr>
-              <a:t>dono</a:t>
+              <a:t>acesso</a:t>
             </a:r>
             <a:r>
               <a:rPr lang="en-US" dirty="0">
                 <a:cs typeface="Calibri"/>
               </a:rPr>
+              <a:t> a </a:t>
+            </a:r>
+            <a:r>
+              <a:rPr lang="en-US" dirty="0" err="1">
+                <a:cs typeface="Calibri"/>
+              </a:rPr>
+              <a:t>ultimos</a:t>
+            </a:r>
+            <a:r>
+              <a:rPr lang="en-US" dirty="0">
+                <a:cs typeface="Calibri"/>
+              </a:rPr>
+              <a:t> </a:t>
+            </a:r>
+            <a:r>
+              <a:rPr lang="en-US" dirty="0" err="1">
+                <a:cs typeface="Calibri"/>
+              </a:rPr>
+              <a:t>jogos</a:t>
+            </a:r>
+            <a:r>
+              <a:rPr lang="en-US" dirty="0">
+                <a:cs typeface="Calibri"/>
+              </a:rPr>
+              <a:t> </a:t>
+            </a:r>
+            <a:r>
+              <a:rPr lang="en-US" dirty="0" err="1">
+                <a:cs typeface="Calibri"/>
+              </a:rPr>
+              <a:t>realizados</a:t>
+            </a:r>
+            <a:r>
+              <a:rPr lang="en-US" dirty="0">
+                <a:cs typeface="Calibri"/>
+              </a:rPr>
+              <a:t> </a:t>
+            </a:r>
+            <a:r>
+              <a:rPr lang="en-US" dirty="0" err="1">
+                <a:cs typeface="Calibri"/>
+              </a:rPr>
+              <a:t>na</a:t>
+            </a:r>
+            <a:r>
+              <a:rPr lang="en-US" dirty="0">
+                <a:cs typeface="Calibri"/>
+              </a:rPr>
+              <a:t> </a:t>
+            </a:r>
+            <a:r>
+              <a:rPr lang="en-US" dirty="0" err="1">
+                <a:cs typeface="Calibri"/>
+              </a:rPr>
+              <a:t>minha</a:t>
+            </a:r>
+            <a:r>
+              <a:rPr lang="en-US" dirty="0">
+                <a:cs typeface="Calibri"/>
+              </a:rPr>
+              <a:t> </a:t>
+            </a:r>
+            <a:r>
+              <a:rPr lang="en-US" dirty="0" err="1">
+                <a:cs typeface="Calibri"/>
+              </a:rPr>
+              <a:t>quadra</a:t>
+            </a:r>
+            <a:r>
+              <a:rPr lang="en-US" dirty="0">
+                <a:cs typeface="Calibri"/>
+              </a:rPr>
+              <a:t> para </a:t>
+            </a:r>
+            <a:r>
+              <a:rPr lang="en-US" dirty="0" err="1">
+                <a:cs typeface="Calibri"/>
+              </a:rPr>
+              <a:t>maior</a:t>
+            </a:r>
+            <a:r>
+              <a:rPr lang="en-US" dirty="0">
+                <a:cs typeface="Calibri"/>
+              </a:rPr>
+              <a:t> </a:t>
+            </a:r>
+            <a:r>
+              <a:rPr lang="en-US" dirty="0" err="1">
+                <a:cs typeface="Calibri"/>
+              </a:rPr>
+              <a:t>controle</a:t>
+            </a:r>
+            <a:r>
+              <a:rPr lang="en-US" dirty="0">
+                <a:cs typeface="Calibri"/>
+              </a:rPr>
+              <a:t> e </a:t>
+            </a:r>
+            <a:r>
+              <a:rPr lang="en-US" dirty="0" err="1">
+                <a:cs typeface="Calibri"/>
+              </a:rPr>
+              <a:t>tentativa</a:t>
+            </a:r>
+            <a:r>
+              <a:rPr lang="en-US" dirty="0">
+                <a:cs typeface="Calibri"/>
+              </a:rPr>
               <a:t> de </a:t>
             </a:r>
             <a:r>
               <a:rPr lang="en-US" dirty="0" err="1">
                 <a:cs typeface="Calibri"/>
               </a:rPr>
-              <a:t>clube</a:t>
+              <a:t>fidelização</a:t>
             </a:r>
             <a:r>
               <a:rPr lang="en-US" dirty="0">
                 <a:cs typeface="Calibri"/>
               </a:rPr>
-              <a:t> </a:t>
+              <a:t> dos meus </a:t>
             </a:r>
             <a:r>
               <a:rPr lang="en-US" dirty="0" err="1">
                 <a:cs typeface="Calibri"/>
               </a:rPr>
-              <a:t>ou</a:t>
-            </a:r>
-            <a:r>
-              <a:rPr lang="en-US" dirty="0">
-                <a:cs typeface="Calibri"/>
-              </a:rPr>
-              <a:t> de um </a:t>
-            </a:r>
-            <a:r>
-              <a:rPr lang="en-US" dirty="0" err="1">
-                <a:cs typeface="Calibri"/>
-              </a:rPr>
-              <a:t>ginasio</a:t>
-            </a:r>
-            <a:r>
-              <a:rPr lang="en-US" dirty="0">
-                <a:cs typeface="Calibri"/>
-              </a:rPr>
-              <a:t> </a:t>
-            </a:r>
-            <a:r>
-              <a:rPr lang="en-US" dirty="0" err="1">
-                <a:cs typeface="Calibri"/>
-              </a:rPr>
-              <a:t>gostaria</a:t>
-            </a:r>
-            <a:r>
-              <a:rPr lang="en-US" dirty="0">
-                <a:cs typeface="Calibri"/>
-              </a:rPr>
-              <a:t> de </a:t>
-            </a:r>
-            <a:r>
-              <a:rPr lang="en-US" dirty="0" err="1">
-                <a:cs typeface="Calibri"/>
-              </a:rPr>
-              <a:t>ter</a:t>
-            </a:r>
-            <a:r>
-              <a:rPr lang="en-US" dirty="0">
-                <a:cs typeface="Calibri"/>
-              </a:rPr>
-              <a:t> meu local </a:t>
-            </a:r>
-            <a:r>
-              <a:rPr lang="en-US" dirty="0" err="1">
-                <a:cs typeface="Calibri"/>
-              </a:rPr>
-              <a:t>demonstrado</a:t>
-            </a:r>
-            <a:r>
-              <a:rPr lang="en-US" dirty="0">
-                <a:cs typeface="Calibri"/>
-              </a:rPr>
-              <a:t> com </a:t>
-            </a:r>
-            <a:r>
-              <a:rPr lang="en-US" dirty="0" err="1">
-                <a:cs typeface="Calibri"/>
-              </a:rPr>
-              <a:t>mais</a:t>
-            </a:r>
-            <a:r>
-              <a:rPr lang="en-US" dirty="0">
-                <a:cs typeface="Calibri"/>
-              </a:rPr>
-              <a:t> </a:t>
-            </a:r>
-            <a:r>
-              <a:rPr lang="en-US" dirty="0" err="1">
-                <a:cs typeface="Calibri"/>
-              </a:rPr>
-              <a:t>facilidade</a:t>
-            </a:r>
-            <a:r>
-              <a:rPr lang="en-US" dirty="0">
-                <a:cs typeface="Calibri"/>
-              </a:rPr>
-              <a:t> para </a:t>
-            </a:r>
-            <a:r>
-              <a:rPr lang="en-US" dirty="0" err="1">
-                <a:cs typeface="Calibri"/>
-              </a:rPr>
-              <a:t>pessoas</a:t>
-            </a:r>
-            <a:r>
-              <a:rPr lang="en-US" dirty="0">
-                <a:cs typeface="Calibri"/>
-              </a:rPr>
-              <a:t> que </a:t>
-            </a:r>
-            <a:r>
-              <a:rPr lang="en-US" dirty="0" err="1">
-                <a:cs typeface="Calibri"/>
-              </a:rPr>
-              <a:t>praticam</a:t>
-            </a:r>
-            <a:r>
-              <a:rPr lang="en-US" dirty="0">
-                <a:cs typeface="Calibri"/>
-              </a:rPr>
-              <a:t> eventual </a:t>
-            </a:r>
-            <a:r>
-              <a:rPr lang="en-US" dirty="0" err="1">
-                <a:cs typeface="Calibri"/>
-              </a:rPr>
-              <a:t>ou</a:t>
-            </a:r>
-            <a:r>
-              <a:rPr lang="en-US" dirty="0">
-                <a:cs typeface="Calibri"/>
-              </a:rPr>
-              <a:t> </a:t>
-            </a:r>
-            <a:r>
-              <a:rPr lang="en-US" dirty="0" err="1">
-                <a:cs typeface="Calibri"/>
-              </a:rPr>
-              <a:t>amadoramente</a:t>
-            </a:r>
-            <a:r>
-              <a:rPr lang="en-US" dirty="0">
-                <a:cs typeface="Calibri"/>
-              </a:rPr>
-              <a:t> </a:t>
-            </a:r>
-            <a:r>
-              <a:rPr lang="en-US" dirty="0" err="1">
-                <a:cs typeface="Calibri"/>
-              </a:rPr>
-              <a:t>esportes</a:t>
-            </a:r>
-            <a:endParaRPr lang="en-US" dirty="0" err="1"/>
-          </a:p>
-        </p:txBody>
-      </p:sp>
-      <p:sp>
-        <p:nvSpPr>
-          <p:cNvPr id="6" name="Rectangle 5">
+              <a:t>clientes</a:t>
+            </a:r>
+            <a:endParaRPr lang="en-US" dirty="0"/>
+          </a:p>
+        </p:txBody>
+      </p:sp>
+      <p:sp>
+        <p:nvSpPr>
+          <p:cNvPr id="11" name="Rectangle 1">
             <a:extLst>
               <a:ext uri="{FF2B5EF4-FFF2-40B4-BE49-F238E27FC236}">
-                <a16:creationId xmlns:a16="http://schemas.microsoft.com/office/drawing/2014/main" id="{6D426336-4299-41C0-B62E-959A9F5723E3}"/>
+                <a16:creationId xmlns:a16="http://schemas.microsoft.com/office/drawing/2014/main" id="{FDD08F72-542A-4FA3-B377-D23A9168D8D1}"/>
               </a:ext>
             </a:extLst>
           </p:cNvPr>
@@ -3463,610 +3253,8 @@
         </p:nvSpPr>
         <p:spPr>
           <a:xfrm>
-            <a:off x="8670625" y="842154"/>
-            <a:ext cx="2846715" cy="2587923"/>
-          </a:xfrm>
-          <a:prstGeom prst="rect">
-            <a:avLst/>
-          </a:prstGeom>
-          <a:solidFill>
-            <a:srgbClr val="C00000"/>
-          </a:solidFill>
-        </p:spPr>
-        <p:style>
-          <a:lnRef idx="2">
-            <a:schemeClr val="accent1">
-              <a:shade val="50000"/>
-            </a:schemeClr>
-          </a:lnRef>
-          <a:fillRef idx="1">
-            <a:schemeClr val="accent1"/>
-          </a:fillRef>
-          <a:effectRef idx="0">
-            <a:schemeClr val="accent1"/>
-          </a:effectRef>
-          <a:fontRef idx="minor">
-            <a:schemeClr val="lt1"/>
-          </a:fontRef>
-        </p:style>
-        <p:txBody>
-          <a:bodyPr rtlCol="0" anchor="ctr"/>
-          <a:lstStyle/>
-          <a:p>
-            <a:pPr algn="ctr"/>
-            <a:r>
-              <a:rPr lang="en-US" dirty="0">
-                <a:cs typeface="Calibri"/>
-              </a:rPr>
-              <a:t>Eu </a:t>
-            </a:r>
-            <a:r>
-              <a:rPr lang="en-US" dirty="0" err="1">
-                <a:cs typeface="Calibri"/>
-              </a:rPr>
-              <a:t>como</a:t>
-            </a:r>
-            <a:r>
-              <a:rPr lang="en-US" dirty="0">
-                <a:cs typeface="Calibri"/>
-              </a:rPr>
-              <a:t> </a:t>
-            </a:r>
-            <a:r>
-              <a:rPr lang="en-US" dirty="0" err="1">
-                <a:cs typeface="Calibri"/>
-              </a:rPr>
-              <a:t>cliente</a:t>
-            </a:r>
-            <a:r>
-              <a:rPr lang="en-US" dirty="0">
-                <a:cs typeface="Calibri"/>
-              </a:rPr>
-              <a:t> </a:t>
-            </a:r>
-            <a:r>
-              <a:rPr lang="en-US" dirty="0" err="1">
-                <a:cs typeface="Calibri"/>
-              </a:rPr>
-              <a:t>atleta</a:t>
-            </a:r>
-            <a:r>
-              <a:rPr lang="en-US" dirty="0">
-                <a:cs typeface="Calibri"/>
-              </a:rPr>
-              <a:t> </a:t>
-            </a:r>
-            <a:r>
-              <a:rPr lang="en-US" dirty="0" err="1">
-                <a:cs typeface="Calibri"/>
-              </a:rPr>
-              <a:t>gostaria</a:t>
-            </a:r>
-            <a:r>
-              <a:rPr lang="en-US" dirty="0">
-                <a:cs typeface="Calibri"/>
-              </a:rPr>
-              <a:t> de </a:t>
-            </a:r>
-            <a:r>
-              <a:rPr lang="en-US" dirty="0" err="1">
-                <a:cs typeface="Calibri"/>
-              </a:rPr>
-              <a:t>marcar</a:t>
-            </a:r>
-            <a:r>
-              <a:rPr lang="en-US" dirty="0">
-                <a:cs typeface="Calibri"/>
-              </a:rPr>
-              <a:t> dados dos </a:t>
-            </a:r>
-            <a:r>
-              <a:rPr lang="en-US" dirty="0" err="1">
-                <a:cs typeface="Calibri"/>
-              </a:rPr>
-              <a:t>jogos</a:t>
-            </a:r>
-            <a:r>
-              <a:rPr lang="en-US" dirty="0">
-                <a:cs typeface="Calibri"/>
-              </a:rPr>
-              <a:t> </a:t>
-            </a:r>
-            <a:r>
-              <a:rPr lang="en-US" dirty="0" err="1">
-                <a:cs typeface="Calibri"/>
-              </a:rPr>
-              <a:t>como</a:t>
-            </a:r>
-            <a:r>
-              <a:rPr lang="en-US" dirty="0">
-                <a:cs typeface="Calibri"/>
-              </a:rPr>
-              <a:t> </a:t>
-            </a:r>
-            <a:r>
-              <a:rPr lang="en-US" dirty="0" err="1">
-                <a:cs typeface="Calibri"/>
-              </a:rPr>
-              <a:t>gols</a:t>
-            </a:r>
-            <a:r>
-              <a:rPr lang="en-US" dirty="0">
-                <a:cs typeface="Calibri"/>
-              </a:rPr>
-              <a:t> e tempos no </a:t>
-            </a:r>
-            <a:r>
-              <a:rPr lang="en-US" dirty="0" err="1">
-                <a:cs typeface="Calibri"/>
-              </a:rPr>
-              <a:t>caso</a:t>
-            </a:r>
-            <a:r>
-              <a:rPr lang="en-US" dirty="0">
-                <a:cs typeface="Calibri"/>
-              </a:rPr>
-              <a:t> do </a:t>
-            </a:r>
-            <a:r>
-              <a:rPr lang="en-US" dirty="0" err="1">
-                <a:cs typeface="Calibri"/>
-              </a:rPr>
-              <a:t>futebol</a:t>
-            </a:r>
-            <a:r>
-              <a:rPr lang="en-US" dirty="0">
-                <a:cs typeface="Calibri"/>
-              </a:rPr>
-              <a:t> e outros dados </a:t>
-            </a:r>
-            <a:r>
-              <a:rPr lang="en-US" dirty="0" err="1">
-                <a:cs typeface="Calibri"/>
-              </a:rPr>
-              <a:t>esṕecificos</a:t>
-            </a:r>
-            <a:r>
-              <a:rPr lang="en-US" dirty="0">
-                <a:cs typeface="Calibri"/>
-              </a:rPr>
-              <a:t> de </a:t>
-            </a:r>
-            <a:r>
-              <a:rPr lang="en-US" dirty="0" err="1">
-                <a:cs typeface="Calibri"/>
-              </a:rPr>
-              <a:t>cada</a:t>
-            </a:r>
-            <a:r>
-              <a:rPr lang="en-US" dirty="0">
-                <a:cs typeface="Calibri"/>
-              </a:rPr>
-              <a:t> </a:t>
-            </a:r>
-            <a:r>
-              <a:rPr lang="en-US" dirty="0" err="1">
-                <a:cs typeface="Calibri"/>
-              </a:rPr>
-              <a:t>esporte</a:t>
-            </a:r>
-          </a:p>
-        </p:txBody>
-      </p:sp>
-      <p:sp>
-        <p:nvSpPr>
-          <p:cNvPr id="7" name="Rectangle 6">
-            <a:extLst>
-              <a:ext uri="{FF2B5EF4-FFF2-40B4-BE49-F238E27FC236}">
-                <a16:creationId xmlns:a16="http://schemas.microsoft.com/office/drawing/2014/main" id="{54380A0E-978C-477D-A60F-FBD5A14BC95A}"/>
-              </a:ext>
-            </a:extLst>
-          </p:cNvPr>
-          <p:cNvSpPr/>
-          <p:nvPr/>
-        </p:nvSpPr>
-        <p:spPr>
-          <a:xfrm>
-            <a:off x="445878" y="4033029"/>
-            <a:ext cx="2602300" cy="1897810"/>
-          </a:xfrm>
-          <a:prstGeom prst="rect">
-            <a:avLst/>
-          </a:prstGeom>
-          <a:solidFill>
-            <a:srgbClr val="C00000"/>
-          </a:solidFill>
-        </p:spPr>
-        <p:style>
-          <a:lnRef idx="2">
-            <a:schemeClr val="accent1">
-              <a:shade val="50000"/>
-            </a:schemeClr>
-          </a:lnRef>
-          <a:fillRef idx="1">
-            <a:schemeClr val="accent1"/>
-          </a:fillRef>
-          <a:effectRef idx="0">
-            <a:schemeClr val="accent1"/>
-          </a:effectRef>
-          <a:fontRef idx="minor">
-            <a:schemeClr val="lt1"/>
-          </a:fontRef>
-        </p:style>
-        <p:txBody>
-          <a:bodyPr rtlCol="0" anchor="ctr"/>
-          <a:lstStyle/>
-          <a:p>
-            <a:pPr algn="ctr"/>
-            <a:r>
-              <a:rPr lang="en-US" dirty="0">
-                <a:cs typeface="Calibri"/>
-              </a:rPr>
-              <a:t>Eu </a:t>
-            </a:r>
-            <a:r>
-              <a:rPr lang="en-US" dirty="0" err="1">
-                <a:cs typeface="Calibri"/>
-              </a:rPr>
-              <a:t>como</a:t>
-            </a:r>
-            <a:r>
-              <a:rPr lang="en-US" dirty="0">
-                <a:cs typeface="Calibri"/>
-              </a:rPr>
-              <a:t> </a:t>
-            </a:r>
-            <a:r>
-              <a:rPr lang="en-US" dirty="0" err="1">
-                <a:cs typeface="Calibri"/>
-              </a:rPr>
-              <a:t>atleta</a:t>
-            </a:r>
-            <a:r>
-              <a:rPr lang="en-US" dirty="0">
-                <a:cs typeface="Calibri"/>
-              </a:rPr>
-              <a:t> </a:t>
-            </a:r>
-            <a:r>
-              <a:rPr lang="en-US" dirty="0" err="1">
-                <a:cs typeface="Calibri"/>
-              </a:rPr>
-              <a:t>amador</a:t>
-            </a:r>
-            <a:r>
-              <a:rPr lang="en-US" dirty="0">
-                <a:cs typeface="Calibri"/>
-              </a:rPr>
-              <a:t> </a:t>
-            </a:r>
-            <a:r>
-              <a:rPr lang="en-US" dirty="0" err="1">
-                <a:cs typeface="Calibri"/>
-              </a:rPr>
-              <a:t>gostaria</a:t>
-            </a:r>
-            <a:r>
-              <a:rPr lang="en-US" dirty="0">
-                <a:cs typeface="Calibri"/>
-              </a:rPr>
-              <a:t> de </a:t>
-            </a:r>
-            <a:r>
-              <a:rPr lang="en-US" dirty="0" err="1">
-                <a:cs typeface="Calibri"/>
-              </a:rPr>
-              <a:t>encontrar</a:t>
-            </a:r>
-            <a:r>
-              <a:rPr lang="en-US" dirty="0">
-                <a:cs typeface="Calibri"/>
-              </a:rPr>
-              <a:t> </a:t>
-            </a:r>
-            <a:r>
-              <a:rPr lang="en-US" dirty="0" err="1">
-                <a:cs typeface="Calibri"/>
-              </a:rPr>
-              <a:t>outras</a:t>
-            </a:r>
-            <a:r>
-              <a:rPr lang="en-US" dirty="0">
-                <a:cs typeface="Calibri"/>
-              </a:rPr>
-              <a:t> </a:t>
-            </a:r>
-            <a:r>
-              <a:rPr lang="en-US" dirty="0" err="1">
-                <a:cs typeface="Calibri"/>
-              </a:rPr>
-              <a:t>pessoas</a:t>
-            </a:r>
-            <a:r>
-              <a:rPr lang="en-US" dirty="0">
-                <a:cs typeface="Calibri"/>
-              </a:rPr>
-              <a:t> que </a:t>
-            </a:r>
-            <a:r>
-              <a:rPr lang="en-US" dirty="0" err="1">
-                <a:cs typeface="Calibri"/>
-              </a:rPr>
-              <a:t>praticam</a:t>
-            </a:r>
-            <a:r>
-              <a:rPr lang="en-US" dirty="0">
-                <a:cs typeface="Calibri"/>
-              </a:rPr>
-              <a:t> </a:t>
-            </a:r>
-            <a:r>
-              <a:rPr lang="en-US" dirty="0" err="1">
-                <a:cs typeface="Calibri"/>
-              </a:rPr>
-              <a:t>esporte</a:t>
-            </a:r>
-            <a:r>
-              <a:rPr lang="en-US" dirty="0">
-                <a:cs typeface="Calibri"/>
-              </a:rPr>
-              <a:t> para </a:t>
-            </a:r>
-            <a:r>
-              <a:rPr lang="en-US" dirty="0" err="1">
-                <a:cs typeface="Calibri"/>
-              </a:rPr>
-              <a:t>marcação</a:t>
-            </a:r>
-            <a:r>
-              <a:rPr lang="en-US" dirty="0">
-                <a:cs typeface="Calibri"/>
-              </a:rPr>
-              <a:t> de </a:t>
-            </a:r>
-            <a:r>
-              <a:rPr lang="en-US" dirty="0" err="1">
-                <a:cs typeface="Calibri"/>
-              </a:rPr>
-              <a:t>jogos</a:t>
-            </a:r>
-            <a:endParaRPr lang="en-US" dirty="0" err="1"/>
-          </a:p>
-        </p:txBody>
-      </p:sp>
-      <p:sp>
-        <p:nvSpPr>
-          <p:cNvPr id="8" name="Rectangle 7">
-            <a:extLst>
-              <a:ext uri="{FF2B5EF4-FFF2-40B4-BE49-F238E27FC236}">
-                <a16:creationId xmlns:a16="http://schemas.microsoft.com/office/drawing/2014/main" id="{FC8C86CE-620F-49D6-B438-2111A3B9186B}"/>
-              </a:ext>
-            </a:extLst>
-          </p:cNvPr>
-          <p:cNvSpPr/>
-          <p:nvPr/>
-        </p:nvSpPr>
-        <p:spPr>
-          <a:xfrm>
-            <a:off x="4223081" y="841256"/>
-            <a:ext cx="3091130" cy="1955319"/>
-          </a:xfrm>
-          <a:prstGeom prst="rect">
-            <a:avLst/>
-          </a:prstGeom>
-          <a:solidFill>
-            <a:srgbClr val="C00000"/>
-          </a:solidFill>
-        </p:spPr>
-        <p:style>
-          <a:lnRef idx="2">
-            <a:schemeClr val="accent1">
-              <a:shade val="50000"/>
-            </a:schemeClr>
-          </a:lnRef>
-          <a:fillRef idx="1">
-            <a:schemeClr val="accent1"/>
-          </a:fillRef>
-          <a:effectRef idx="0">
-            <a:schemeClr val="accent1"/>
-          </a:effectRef>
-          <a:fontRef idx="minor">
-            <a:schemeClr val="lt1"/>
-          </a:fontRef>
-        </p:style>
-        <p:txBody>
-          <a:bodyPr rtlCol="0" anchor="ctr"/>
-          <a:lstStyle/>
-          <a:p>
-            <a:pPr algn="ctr"/>
-            <a:r>
-              <a:rPr lang="en-US" dirty="0">
-                <a:cs typeface="Calibri"/>
-              </a:rPr>
-              <a:t>Eu </a:t>
-            </a:r>
-            <a:r>
-              <a:rPr lang="en-US" dirty="0" err="1">
-                <a:cs typeface="Calibri"/>
-              </a:rPr>
-              <a:t>como</a:t>
-            </a:r>
-            <a:r>
-              <a:rPr lang="en-US" dirty="0">
-                <a:cs typeface="Calibri"/>
-              </a:rPr>
-              <a:t> </a:t>
-            </a:r>
-            <a:r>
-              <a:rPr lang="en-US" dirty="0" err="1">
-                <a:cs typeface="Calibri"/>
-              </a:rPr>
-              <a:t>atleta</a:t>
-            </a:r>
-            <a:r>
-              <a:rPr lang="en-US" dirty="0">
-                <a:cs typeface="Calibri"/>
-              </a:rPr>
-              <a:t> </a:t>
-            </a:r>
-            <a:r>
-              <a:rPr lang="en-US" dirty="0" err="1">
-                <a:cs typeface="Calibri"/>
-              </a:rPr>
-              <a:t>amador</a:t>
-            </a:r>
-            <a:r>
-              <a:rPr lang="en-US" dirty="0">
-                <a:cs typeface="Calibri"/>
-              </a:rPr>
-              <a:t> </a:t>
-            </a:r>
-            <a:r>
-              <a:rPr lang="en-US" dirty="0" err="1">
-                <a:cs typeface="Calibri"/>
-              </a:rPr>
-              <a:t>gostaria</a:t>
-            </a:r>
-            <a:r>
-              <a:rPr lang="en-US" dirty="0">
-                <a:cs typeface="Calibri"/>
-              </a:rPr>
-              <a:t> de </a:t>
-            </a:r>
-            <a:r>
-              <a:rPr lang="en-US" dirty="0" err="1">
-                <a:cs typeface="Calibri"/>
-              </a:rPr>
-              <a:t>formar</a:t>
-            </a:r>
-            <a:r>
-              <a:rPr lang="en-US" dirty="0">
-                <a:cs typeface="Calibri"/>
-              </a:rPr>
-              <a:t> </a:t>
-            </a:r>
-            <a:r>
-              <a:rPr lang="en-US" dirty="0" err="1">
-                <a:cs typeface="Calibri"/>
-              </a:rPr>
-              <a:t>equipes</a:t>
-            </a:r>
-            <a:r>
-              <a:rPr lang="en-US" dirty="0">
-                <a:cs typeface="Calibri"/>
-              </a:rPr>
-              <a:t> no </a:t>
-            </a:r>
-            <a:r>
-              <a:rPr lang="en-US" dirty="0" err="1">
-                <a:cs typeface="Calibri"/>
-              </a:rPr>
-              <a:t>caso</a:t>
-            </a:r>
-            <a:r>
-              <a:rPr lang="en-US" dirty="0">
-                <a:cs typeface="Calibri"/>
-              </a:rPr>
-              <a:t> de </a:t>
-            </a:r>
-            <a:r>
-              <a:rPr lang="en-US" dirty="0" err="1">
-                <a:cs typeface="Calibri"/>
-              </a:rPr>
-              <a:t>esportes</a:t>
-            </a:r>
-            <a:r>
-              <a:rPr lang="en-US" dirty="0">
-                <a:cs typeface="Calibri"/>
-              </a:rPr>
-              <a:t> </a:t>
-            </a:r>
-            <a:r>
-              <a:rPr lang="en-US" dirty="0" err="1">
-                <a:cs typeface="Calibri"/>
-              </a:rPr>
-              <a:t>coletivos</a:t>
-            </a:r>
-            <a:r>
-              <a:rPr lang="en-US" dirty="0">
-                <a:cs typeface="Calibri"/>
-              </a:rPr>
-              <a:t> para </a:t>
-            </a:r>
-            <a:r>
-              <a:rPr lang="en-US" dirty="0" err="1">
-                <a:cs typeface="Calibri"/>
-              </a:rPr>
-              <a:t>facilitar</a:t>
-            </a:r>
-            <a:r>
-              <a:rPr lang="en-US" dirty="0">
-                <a:cs typeface="Calibri"/>
-              </a:rPr>
-              <a:t> </a:t>
-            </a:r>
-            <a:r>
-              <a:rPr lang="en-US" dirty="0" err="1">
-                <a:cs typeface="Calibri"/>
-              </a:rPr>
-              <a:t>confrontos</a:t>
-            </a:r>
-            <a:r>
-              <a:rPr lang="en-US" dirty="0">
-                <a:cs typeface="Calibri"/>
-              </a:rPr>
-              <a:t> e </a:t>
-            </a:r>
-            <a:r>
-              <a:rPr lang="en-US" dirty="0" err="1">
-                <a:cs typeface="Calibri"/>
-              </a:rPr>
-              <a:t>organizaço</a:t>
-            </a:r>
-            <a:r>
-              <a:rPr lang="en-US" dirty="0">
-                <a:cs typeface="Calibri"/>
-              </a:rPr>
-              <a:t> de </a:t>
-            </a:r>
-            <a:r>
-              <a:rPr lang="en-US" dirty="0" err="1">
-                <a:cs typeface="Calibri"/>
-              </a:rPr>
-              <a:t>torneios</a:t>
-            </a:r>
-            <a:r>
-              <a:rPr lang="en-US" dirty="0">
-                <a:cs typeface="Calibri"/>
-              </a:rPr>
-              <a:t> </a:t>
-            </a:r>
-            <a:r>
-              <a:rPr lang="en-US" dirty="0" err="1">
-                <a:cs typeface="Calibri"/>
-              </a:rPr>
-              <a:t>amadores</a:t>
-            </a:r>
-            <a:endParaRPr lang="en-US" dirty="0" err="1"/>
-          </a:p>
-        </p:txBody>
-      </p:sp>
-      <p:sp>
-        <p:nvSpPr>
-          <p:cNvPr id="9" name="Rectangle 8">
-            <a:extLst>
-              <a:ext uri="{FF2B5EF4-FFF2-40B4-BE49-F238E27FC236}">
-                <a16:creationId xmlns:a16="http://schemas.microsoft.com/office/drawing/2014/main" id="{E8371833-97BF-42A0-B799-FAAAABADCC16}"/>
-              </a:ext>
-            </a:extLst>
-          </p:cNvPr>
-          <p:cNvSpPr/>
-          <p:nvPr/>
-        </p:nvSpPr>
-        <p:spPr>
-          <a:xfrm>
-            <a:off x="8667930" y="4031232"/>
-            <a:ext cx="2918602" cy="1955319"/>
+            <a:off x="589180" y="697001"/>
+            <a:ext cx="3041346" cy="1955319"/>
           </a:xfrm>
           <a:prstGeom prst="rect">
             <a:avLst/>
@@ -4094,10 +3282,68 @@
           <a:p>
             <a:pPr algn="ctr"/>
             <a:r>
+              <a:rPr lang="en-US">
+                <a:cs typeface="Calibri"/>
+              </a:rPr>
+              <a:t>Eu, como dono de Quadra, gostaria de um Sistema para organizer reservas de partidas para ter um controle melhor do meu estabelecimento.</a:t>
+            </a:r>
+            <a:endParaRPr lang="en-US" dirty="0"/>
+          </a:p>
+        </p:txBody>
+      </p:sp>
+      <p:sp>
+        <p:nvSpPr>
+          <p:cNvPr id="12" name="Rectangle 1">
+            <a:extLst>
+              <a:ext uri="{FF2B5EF4-FFF2-40B4-BE49-F238E27FC236}">
+                <a16:creationId xmlns:a16="http://schemas.microsoft.com/office/drawing/2014/main" id="{FDD08F72-542A-4FA3-B377-D23A9168D8D1}"/>
+              </a:ext>
+            </a:extLst>
+          </p:cNvPr>
+          <p:cNvSpPr/>
+          <p:nvPr/>
+        </p:nvSpPr>
+        <p:spPr>
+          <a:xfrm>
+            <a:off x="8418329" y="697001"/>
+            <a:ext cx="3041346" cy="1955319"/>
+          </a:xfrm>
+          <a:prstGeom prst="rect">
+            <a:avLst/>
+          </a:prstGeom>
+        </p:spPr>
+        <p:style>
+          <a:lnRef idx="2">
+            <a:schemeClr val="accent1">
+              <a:shade val="50000"/>
+            </a:schemeClr>
+          </a:lnRef>
+          <a:fillRef idx="1">
+            <a:schemeClr val="accent1"/>
+          </a:fillRef>
+          <a:effectRef idx="0">
+            <a:schemeClr val="accent1"/>
+          </a:effectRef>
+          <a:fontRef idx="minor">
+            <a:schemeClr val="lt1"/>
+          </a:fontRef>
+        </p:style>
+        <p:txBody>
+          <a:bodyPr rtlCol="0" anchor="ctr"/>
+          <a:lstStyle/>
+          <a:p>
+            <a:pPr algn="ctr"/>
+            <a:r>
+              <a:rPr lang="en-US" dirty="0" err="1">
+                <a:cs typeface="Calibri"/>
+              </a:rPr>
+              <a:t>Eu</a:t>
+            </a:r>
+            <a:r>
               <a:rPr lang="en-US" dirty="0">
                 <a:cs typeface="Calibri"/>
               </a:rPr>
-              <a:t>Eu </a:t>
+              <a:t>, </a:t>
             </a:r>
             <a:r>
               <a:rPr lang="en-US" dirty="0" err="1">
@@ -4124,100 +3370,682 @@
               <a:t> de </a:t>
             </a:r>
             <a:r>
+              <a:rPr lang="en-US" dirty="0" err="1" smtClean="0">
+                <a:cs typeface="Calibri"/>
+              </a:rPr>
+              <a:t>quadra</a:t>
+            </a:r>
+            <a:r>
+              <a:rPr lang="en-US" dirty="0" smtClean="0">
+                <a:cs typeface="Calibri"/>
+              </a:rPr>
+              <a:t>, </a:t>
+            </a:r>
+            <a:r>
+              <a:rPr lang="en-US" dirty="0" err="1" smtClean="0">
+                <a:cs typeface="Calibri"/>
+              </a:rPr>
+              <a:t>gostaria</a:t>
+            </a:r>
+            <a:r>
+              <a:rPr lang="en-US" dirty="0" smtClean="0">
+                <a:cs typeface="Calibri"/>
+              </a:rPr>
+              <a:t> de um Sistema que </a:t>
+            </a:r>
+            <a:r>
+              <a:rPr lang="en-US" dirty="0" err="1" smtClean="0">
+                <a:cs typeface="Calibri"/>
+              </a:rPr>
+              <a:t>mostrasse</a:t>
+            </a:r>
+            <a:r>
+              <a:rPr lang="en-US" dirty="0" smtClean="0">
+                <a:cs typeface="Calibri"/>
+              </a:rPr>
+              <a:t> </a:t>
+            </a:r>
+            <a:r>
+              <a:rPr lang="en-US" dirty="0">
+                <a:cs typeface="Calibri"/>
+              </a:rPr>
+              <a:t>a </a:t>
+            </a:r>
+            <a:r>
               <a:rPr lang="en-US" dirty="0" err="1">
                 <a:cs typeface="Calibri"/>
               </a:rPr>
+              <a:t>lotação</a:t>
+            </a:r>
+            <a:r>
+              <a:rPr lang="en-US" dirty="0">
+                <a:cs typeface="Calibri"/>
+              </a:rPr>
+              <a:t> maxima da </a:t>
+            </a:r>
+            <a:r>
+              <a:rPr lang="en-US" dirty="0" err="1">
+                <a:cs typeface="Calibri"/>
+              </a:rPr>
+              <a:t>minha</a:t>
+            </a:r>
+            <a:r>
+              <a:rPr lang="en-US" dirty="0">
+                <a:cs typeface="Calibri"/>
+              </a:rPr>
+              <a:t> </a:t>
+            </a:r>
+            <a:r>
+              <a:rPr lang="en-US" dirty="0" err="1">
+                <a:cs typeface="Calibri"/>
+              </a:rPr>
+              <a:t>quadra</a:t>
+            </a:r>
+            <a:r>
+              <a:rPr lang="en-US" dirty="0">
+                <a:cs typeface="Calibri"/>
+              </a:rPr>
+              <a:t> </a:t>
+            </a:r>
+            <a:r>
+              <a:rPr lang="en-US" dirty="0" err="1">
+                <a:cs typeface="Calibri"/>
+              </a:rPr>
+              <a:t>pra</a:t>
+            </a:r>
+            <a:r>
+              <a:rPr lang="en-US" dirty="0">
+                <a:cs typeface="Calibri"/>
+              </a:rPr>
+              <a:t> </a:t>
+            </a:r>
+            <a:r>
+              <a:rPr lang="en-US" dirty="0" err="1">
+                <a:cs typeface="Calibri"/>
+              </a:rPr>
+              <a:t>controle</a:t>
+            </a:r>
+            <a:r>
+              <a:rPr lang="en-US" dirty="0">
+                <a:cs typeface="Calibri"/>
+              </a:rPr>
+              <a:t> de </a:t>
+            </a:r>
+            <a:r>
+              <a:rPr lang="en-US" dirty="0" err="1">
+                <a:cs typeface="Calibri"/>
+              </a:rPr>
+              <a:t>pessoas</a:t>
+            </a:r>
+            <a:r>
+              <a:rPr lang="en-US" dirty="0">
+                <a:cs typeface="Calibri"/>
+              </a:rPr>
+              <a:t> no local.</a:t>
+            </a:r>
+            <a:endParaRPr lang="en-US" dirty="0"/>
+          </a:p>
+        </p:txBody>
+      </p:sp>
+      <p:sp>
+        <p:nvSpPr>
+          <p:cNvPr id="13" name="Rectangle 1">
+            <a:extLst>
+              <a:ext uri="{FF2B5EF4-FFF2-40B4-BE49-F238E27FC236}">
+                <a16:creationId xmlns:a16="http://schemas.microsoft.com/office/drawing/2014/main" id="{FDD08F72-542A-4FA3-B377-D23A9168D8D1}"/>
+              </a:ext>
+            </a:extLst>
+          </p:cNvPr>
+          <p:cNvSpPr/>
+          <p:nvPr/>
+        </p:nvSpPr>
+        <p:spPr>
+          <a:xfrm>
+            <a:off x="589180" y="3284925"/>
+            <a:ext cx="3041346" cy="1955319"/>
+          </a:xfrm>
+          <a:prstGeom prst="rect">
+            <a:avLst/>
+          </a:prstGeom>
+        </p:spPr>
+        <p:style>
+          <a:lnRef idx="2">
+            <a:schemeClr val="accent1">
+              <a:shade val="50000"/>
+            </a:schemeClr>
+          </a:lnRef>
+          <a:fillRef idx="1">
+            <a:schemeClr val="accent1"/>
+          </a:fillRef>
+          <a:effectRef idx="0">
+            <a:schemeClr val="accent1"/>
+          </a:effectRef>
+          <a:fontRef idx="minor">
+            <a:schemeClr val="lt1"/>
+          </a:fontRef>
+        </p:style>
+        <p:txBody>
+          <a:bodyPr rtlCol="0" anchor="ctr"/>
+          <a:lstStyle/>
+          <a:p>
+            <a:pPr algn="ctr"/>
+            <a:r>
+              <a:rPr lang="en-US" dirty="0" err="1" smtClean="0">
+                <a:cs typeface="Calibri"/>
+              </a:rPr>
+              <a:t>Eu</a:t>
+            </a:r>
+            <a:r>
+              <a:rPr lang="en-US" dirty="0" smtClean="0">
+                <a:cs typeface="Calibri"/>
+              </a:rPr>
+              <a:t>, </a:t>
+            </a:r>
+            <a:r>
+              <a:rPr lang="en-US" dirty="0" err="1" smtClean="0">
+                <a:cs typeface="Calibri"/>
+              </a:rPr>
+              <a:t>como</a:t>
+            </a:r>
+            <a:r>
+              <a:rPr lang="en-US" dirty="0" smtClean="0">
+                <a:cs typeface="Calibri"/>
+              </a:rPr>
+              <a:t> </a:t>
+            </a:r>
+            <a:r>
+              <a:rPr lang="en-US" dirty="0" err="1" smtClean="0">
+                <a:cs typeface="Calibri"/>
+              </a:rPr>
+              <a:t>dono</a:t>
+            </a:r>
+            <a:r>
+              <a:rPr lang="en-US" dirty="0" smtClean="0">
+                <a:cs typeface="Calibri"/>
+              </a:rPr>
+              <a:t> de </a:t>
+            </a:r>
+            <a:r>
+              <a:rPr lang="en-US" dirty="0" err="1" smtClean="0">
+                <a:cs typeface="Calibri"/>
+              </a:rPr>
               <a:t>clube</a:t>
             </a:r>
             <a:r>
-              <a:rPr lang="en-US" dirty="0">
+              <a:rPr lang="en-US" dirty="0" smtClean="0">
+                <a:cs typeface="Calibri"/>
+              </a:rPr>
+              <a:t>, </a:t>
+            </a:r>
+            <a:r>
+              <a:rPr lang="en-US" dirty="0" err="1" smtClean="0">
+                <a:cs typeface="Calibri"/>
+              </a:rPr>
+              <a:t>gostaria</a:t>
+            </a:r>
+            <a:r>
+              <a:rPr lang="en-US" dirty="0" smtClean="0">
+                <a:cs typeface="Calibri"/>
+              </a:rPr>
+              <a:t> de </a:t>
+            </a:r>
+            <a:r>
+              <a:rPr lang="en-US" dirty="0" err="1" smtClean="0">
+                <a:cs typeface="Calibri"/>
+              </a:rPr>
+              <a:t>ter</a:t>
+            </a:r>
+            <a:r>
+              <a:rPr lang="en-US" dirty="0" smtClean="0">
                 <a:cs typeface="Calibri"/>
               </a:rPr>
               <a:t> </a:t>
             </a:r>
             <a:r>
-              <a:rPr lang="en-US" dirty="0" err="1">
+              <a:rPr lang="en-US" dirty="0" err="1" smtClean="0">
+                <a:cs typeface="Calibri"/>
+              </a:rPr>
+              <a:t>acesso</a:t>
+            </a:r>
+            <a:r>
+              <a:rPr lang="en-US" dirty="0" smtClean="0">
+                <a:cs typeface="Calibri"/>
+              </a:rPr>
+              <a:t> a </a:t>
+            </a:r>
+            <a:r>
+              <a:rPr lang="en-US" dirty="0" err="1" smtClean="0">
+                <a:cs typeface="Calibri"/>
+              </a:rPr>
+              <a:t>ultimos</a:t>
+            </a:r>
+            <a:r>
+              <a:rPr lang="en-US" dirty="0" smtClean="0">
+                <a:cs typeface="Calibri"/>
+              </a:rPr>
+              <a:t> </a:t>
+            </a:r>
+            <a:r>
+              <a:rPr lang="en-US" dirty="0" err="1" smtClean="0">
+                <a:cs typeface="Calibri"/>
+              </a:rPr>
+              <a:t>jogos</a:t>
+            </a:r>
+            <a:r>
+              <a:rPr lang="en-US" dirty="0" smtClean="0">
+                <a:cs typeface="Calibri"/>
+              </a:rPr>
+              <a:t> </a:t>
+            </a:r>
+            <a:r>
+              <a:rPr lang="en-US" dirty="0" err="1" smtClean="0">
+                <a:cs typeface="Calibri"/>
+              </a:rPr>
+              <a:t>realizados</a:t>
+            </a:r>
+            <a:r>
+              <a:rPr lang="en-US" dirty="0" smtClean="0">
+                <a:cs typeface="Calibri"/>
+              </a:rPr>
+              <a:t> </a:t>
+            </a:r>
+            <a:r>
+              <a:rPr lang="en-US" dirty="0" err="1" smtClean="0">
+                <a:cs typeface="Calibri"/>
+              </a:rPr>
+              <a:t>na</a:t>
+            </a:r>
+            <a:r>
+              <a:rPr lang="en-US" dirty="0" smtClean="0">
+                <a:cs typeface="Calibri"/>
+              </a:rPr>
+              <a:t> </a:t>
+            </a:r>
+            <a:r>
+              <a:rPr lang="en-US" dirty="0" err="1" smtClean="0">
+                <a:cs typeface="Calibri"/>
+              </a:rPr>
+              <a:t>minha</a:t>
+            </a:r>
+            <a:r>
+              <a:rPr lang="en-US" dirty="0" smtClean="0">
+                <a:cs typeface="Calibri"/>
+              </a:rPr>
+              <a:t> </a:t>
+            </a:r>
+            <a:r>
+              <a:rPr lang="en-US" dirty="0" err="1" smtClean="0">
+                <a:cs typeface="Calibri"/>
+              </a:rPr>
+              <a:t>quadra</a:t>
+            </a:r>
+            <a:r>
+              <a:rPr lang="en-US" dirty="0" smtClean="0">
+                <a:cs typeface="Calibri"/>
+              </a:rPr>
+              <a:t> para </a:t>
+            </a:r>
+            <a:r>
+              <a:rPr lang="en-US" dirty="0" err="1" smtClean="0">
+                <a:cs typeface="Calibri"/>
+              </a:rPr>
+              <a:t>maior</a:t>
+            </a:r>
+            <a:r>
+              <a:rPr lang="en-US" dirty="0" smtClean="0">
+                <a:cs typeface="Calibri"/>
+              </a:rPr>
+              <a:t> </a:t>
+            </a:r>
+            <a:r>
+              <a:rPr lang="en-US" dirty="0" err="1" smtClean="0">
+                <a:cs typeface="Calibri"/>
+              </a:rPr>
+              <a:t>controle</a:t>
+            </a:r>
+            <a:r>
+              <a:rPr lang="en-US" dirty="0" smtClean="0">
+                <a:cs typeface="Calibri"/>
+              </a:rPr>
+              <a:t> e </a:t>
+            </a:r>
+            <a:r>
+              <a:rPr lang="en-US" dirty="0" err="1" smtClean="0">
+                <a:cs typeface="Calibri"/>
+              </a:rPr>
+              <a:t>tentativa</a:t>
+            </a:r>
+            <a:r>
+              <a:rPr lang="en-US" dirty="0" smtClean="0">
+                <a:cs typeface="Calibri"/>
+              </a:rPr>
+              <a:t> de </a:t>
+            </a:r>
+            <a:r>
+              <a:rPr lang="en-US" dirty="0" err="1" smtClean="0">
+                <a:cs typeface="Calibri"/>
+              </a:rPr>
+              <a:t>fidelização</a:t>
+            </a:r>
+            <a:r>
+              <a:rPr lang="en-US" dirty="0" smtClean="0">
+                <a:cs typeface="Calibri"/>
+              </a:rPr>
+              <a:t> dos meus </a:t>
+            </a:r>
+            <a:r>
+              <a:rPr lang="en-US" dirty="0" err="1" smtClean="0">
+                <a:cs typeface="Calibri"/>
+              </a:rPr>
+              <a:t>clientes</a:t>
+            </a:r>
+            <a:endParaRPr lang="en-US" dirty="0"/>
+          </a:p>
+        </p:txBody>
+      </p:sp>
+      <p:sp>
+        <p:nvSpPr>
+          <p:cNvPr id="14" name="Rectangle 1">
+            <a:extLst>
+              <a:ext uri="{FF2B5EF4-FFF2-40B4-BE49-F238E27FC236}">
+                <a16:creationId xmlns:a16="http://schemas.microsoft.com/office/drawing/2014/main" id="{FDD08F72-542A-4FA3-B377-D23A9168D8D1}"/>
+              </a:ext>
+            </a:extLst>
+          </p:cNvPr>
+          <p:cNvSpPr/>
+          <p:nvPr/>
+        </p:nvSpPr>
+        <p:spPr>
+          <a:xfrm>
+            <a:off x="4517529" y="3284925"/>
+            <a:ext cx="3041346" cy="1955319"/>
+          </a:xfrm>
+          <a:prstGeom prst="rect">
+            <a:avLst/>
+          </a:prstGeom>
+        </p:spPr>
+        <p:style>
+          <a:lnRef idx="2">
+            <a:schemeClr val="accent1">
+              <a:shade val="50000"/>
+            </a:schemeClr>
+          </a:lnRef>
+          <a:fillRef idx="1">
+            <a:schemeClr val="accent1"/>
+          </a:fillRef>
+          <a:effectRef idx="0">
+            <a:schemeClr val="accent1"/>
+          </a:effectRef>
+          <a:fontRef idx="minor">
+            <a:schemeClr val="lt1"/>
+          </a:fontRef>
+        </p:style>
+        <p:txBody>
+          <a:bodyPr rtlCol="0" anchor="ctr"/>
+          <a:lstStyle/>
+          <a:p>
+            <a:pPr algn="ctr"/>
+            <a:r>
+              <a:rPr lang="en-US" dirty="0" err="1" smtClean="0">
+                <a:cs typeface="Calibri"/>
+              </a:rPr>
+              <a:t>Eu</a:t>
+            </a:r>
+            <a:r>
+              <a:rPr lang="en-US" dirty="0" smtClean="0">
+                <a:cs typeface="Calibri"/>
+              </a:rPr>
+              <a:t>, </a:t>
+            </a:r>
+            <a:r>
+              <a:rPr lang="en-US" dirty="0" err="1" smtClean="0">
+                <a:cs typeface="Calibri"/>
+              </a:rPr>
+              <a:t>como</a:t>
+            </a:r>
+            <a:r>
+              <a:rPr lang="en-US" dirty="0" smtClean="0">
+                <a:cs typeface="Calibri"/>
+              </a:rPr>
+              <a:t> </a:t>
+            </a:r>
+            <a:r>
+              <a:rPr lang="en-US" dirty="0" err="1" smtClean="0">
+                <a:cs typeface="Calibri"/>
+              </a:rPr>
+              <a:t>dono</a:t>
+            </a:r>
+            <a:r>
+              <a:rPr lang="en-US" dirty="0" smtClean="0">
+                <a:cs typeface="Calibri"/>
+              </a:rPr>
+              <a:t> de </a:t>
+            </a:r>
+            <a:r>
+              <a:rPr lang="en-US" dirty="0" err="1" smtClean="0">
+                <a:cs typeface="Calibri"/>
+              </a:rPr>
+              <a:t>quadra</a:t>
+            </a:r>
+            <a:r>
+              <a:rPr lang="en-US" dirty="0" smtClean="0">
+                <a:cs typeface="Calibri"/>
+              </a:rPr>
+              <a:t>, </a:t>
+            </a:r>
+            <a:r>
+              <a:rPr lang="en-US" dirty="0" err="1" smtClean="0">
                 <a:cs typeface="Calibri"/>
               </a:rPr>
               <a:t>gostaria</a:t>
             </a:r>
             <a:r>
-              <a:rPr lang="en-US" dirty="0">
-                <a:cs typeface="Calibri"/>
-              </a:rPr>
-              <a:t> que </a:t>
-            </a:r>
-            <a:r>
-              <a:rPr lang="en-US" dirty="0" err="1">
-                <a:cs typeface="Calibri"/>
-              </a:rPr>
-              <a:t>mostrasse</a:t>
-            </a:r>
-            <a:r>
-              <a:rPr lang="en-US" dirty="0">
-                <a:cs typeface="Calibri"/>
-              </a:rPr>
-              <a:t> a </a:t>
-            </a:r>
-            <a:r>
-              <a:rPr lang="en-US" dirty="0" err="1">
-                <a:cs typeface="Calibri"/>
-              </a:rPr>
-              <a:t>lotação</a:t>
-            </a:r>
-            <a:r>
-              <a:rPr lang="en-US" dirty="0">
-                <a:cs typeface="Calibri"/>
-              </a:rPr>
-              <a:t> maxima da </a:t>
-            </a:r>
-            <a:r>
-              <a:rPr lang="en-US" dirty="0" err="1">
-                <a:cs typeface="Calibri"/>
-              </a:rPr>
-              <a:t>minha</a:t>
-            </a:r>
-            <a:r>
-              <a:rPr lang="en-US" dirty="0">
-                <a:cs typeface="Calibri"/>
-              </a:rPr>
-              <a:t> quadra </a:t>
-            </a:r>
-            <a:r>
-              <a:rPr lang="en-US" dirty="0" err="1">
-                <a:cs typeface="Calibri"/>
-              </a:rPr>
-              <a:t>pra</a:t>
-            </a:r>
-            <a:r>
-              <a:rPr lang="en-US" dirty="0">
+              <a:rPr lang="en-US" dirty="0" smtClean="0">
+                <a:cs typeface="Calibri"/>
+              </a:rPr>
+              <a:t> que meus clients </a:t>
+            </a:r>
+            <a:r>
+              <a:rPr lang="en-US" dirty="0" err="1" smtClean="0">
+                <a:cs typeface="Calibri"/>
+              </a:rPr>
+              <a:t>marcassem</a:t>
+            </a:r>
+            <a:r>
+              <a:rPr lang="en-US" dirty="0" smtClean="0">
                 <a:cs typeface="Calibri"/>
               </a:rPr>
               <a:t> </a:t>
             </a:r>
             <a:r>
-              <a:rPr lang="en-US" dirty="0" err="1">
-                <a:cs typeface="Calibri"/>
-              </a:rPr>
-              <a:t>controle</a:t>
-            </a:r>
-            <a:r>
-              <a:rPr lang="en-US" dirty="0">
+              <a:rPr lang="en-US" dirty="0" err="1" smtClean="0">
+                <a:cs typeface="Calibri"/>
+              </a:rPr>
+              <a:t>partidas</a:t>
+            </a:r>
+            <a:r>
+              <a:rPr lang="en-US" dirty="0" smtClean="0">
+                <a:cs typeface="Calibri"/>
+              </a:rPr>
+              <a:t> com </a:t>
+            </a:r>
+            <a:r>
+              <a:rPr lang="en-US" dirty="0" err="1" smtClean="0">
+                <a:cs typeface="Calibri"/>
+              </a:rPr>
+              <a:t>atletas</a:t>
+            </a:r>
+            <a:r>
+              <a:rPr lang="en-US" dirty="0" smtClean="0">
+                <a:cs typeface="Calibri"/>
+              </a:rPr>
+              <a:t> </a:t>
+            </a:r>
+            <a:r>
+              <a:rPr lang="en-US" dirty="0" err="1" smtClean="0">
+                <a:cs typeface="Calibri"/>
+              </a:rPr>
+              <a:t>diversos</a:t>
+            </a:r>
+            <a:endParaRPr lang="en-US" dirty="0"/>
+          </a:p>
+        </p:txBody>
+      </p:sp>
+      <p:sp>
+        <p:nvSpPr>
+          <p:cNvPr id="15" name="Rectangle 1">
+            <a:extLst>
+              <a:ext uri="{FF2B5EF4-FFF2-40B4-BE49-F238E27FC236}">
+                <a16:creationId xmlns:a16="http://schemas.microsoft.com/office/drawing/2014/main" id="{FDD08F72-542A-4FA3-B377-D23A9168D8D1}"/>
+              </a:ext>
+            </a:extLst>
+          </p:cNvPr>
+          <p:cNvSpPr/>
+          <p:nvPr/>
+        </p:nvSpPr>
+        <p:spPr>
+          <a:xfrm>
+            <a:off x="8418329" y="3284925"/>
+            <a:ext cx="3041346" cy="1955319"/>
+          </a:xfrm>
+          <a:prstGeom prst="rect">
+            <a:avLst/>
+          </a:prstGeom>
+        </p:spPr>
+        <p:style>
+          <a:lnRef idx="2">
+            <a:schemeClr val="accent1">
+              <a:shade val="50000"/>
+            </a:schemeClr>
+          </a:lnRef>
+          <a:fillRef idx="1">
+            <a:schemeClr val="accent1"/>
+          </a:fillRef>
+          <a:effectRef idx="0">
+            <a:schemeClr val="accent1"/>
+          </a:effectRef>
+          <a:fontRef idx="minor">
+            <a:schemeClr val="lt1"/>
+          </a:fontRef>
+        </p:style>
+        <p:txBody>
+          <a:bodyPr rtlCol="0" anchor="ctr"/>
+          <a:lstStyle/>
+          <a:p>
+            <a:pPr algn="ctr"/>
+            <a:r>
+              <a:rPr lang="en-US" dirty="0" err="1" smtClean="0">
+                <a:cs typeface="Calibri"/>
+              </a:rPr>
+              <a:t>Eu</a:t>
+            </a:r>
+            <a:r>
+              <a:rPr lang="en-US" dirty="0" smtClean="0">
+                <a:cs typeface="Calibri"/>
+              </a:rPr>
+              <a:t>, </a:t>
+            </a:r>
+            <a:r>
+              <a:rPr lang="en-US" dirty="0" err="1" smtClean="0">
+                <a:cs typeface="Calibri"/>
+              </a:rPr>
+              <a:t>como</a:t>
+            </a:r>
+            <a:r>
+              <a:rPr lang="en-US" dirty="0" smtClean="0">
+                <a:cs typeface="Calibri"/>
+              </a:rPr>
+              <a:t> </a:t>
+            </a:r>
+            <a:r>
+              <a:rPr lang="en-US" dirty="0" err="1" smtClean="0">
+                <a:cs typeface="Calibri"/>
+              </a:rPr>
+              <a:t>dono</a:t>
+            </a:r>
+            <a:r>
+              <a:rPr lang="en-US" dirty="0" smtClean="0">
                 <a:cs typeface="Calibri"/>
               </a:rPr>
               <a:t> de </a:t>
             </a:r>
             <a:r>
-              <a:rPr lang="en-US" dirty="0" err="1">
-                <a:cs typeface="Calibri"/>
-              </a:rPr>
-              <a:t>pessoas</a:t>
-            </a:r>
-            <a:r>
-              <a:rPr lang="en-US" dirty="0">
-                <a:cs typeface="Calibri"/>
-              </a:rPr>
-              <a:t> no local</a:t>
+              <a:rPr lang="en-US" dirty="0" err="1" smtClean="0">
+                <a:cs typeface="Calibri"/>
+              </a:rPr>
+              <a:t>quadra</a:t>
+            </a:r>
+            <a:r>
+              <a:rPr lang="en-US" dirty="0" smtClean="0">
+                <a:cs typeface="Calibri"/>
+              </a:rPr>
+              <a:t>, </a:t>
+            </a:r>
+            <a:r>
+              <a:rPr lang="en-US" dirty="0" err="1" smtClean="0">
+                <a:cs typeface="Calibri"/>
+              </a:rPr>
+              <a:t>gostaria</a:t>
+            </a:r>
+            <a:r>
+              <a:rPr lang="en-US" dirty="0" smtClean="0">
+                <a:cs typeface="Calibri"/>
+              </a:rPr>
+              <a:t> que meus </a:t>
+            </a:r>
+            <a:r>
+              <a:rPr lang="en-US" dirty="0" err="1" smtClean="0">
+                <a:cs typeface="Calibri"/>
+              </a:rPr>
+              <a:t>clientes</a:t>
+            </a:r>
+            <a:r>
+              <a:rPr lang="en-US" dirty="0" smtClean="0">
+                <a:cs typeface="Calibri"/>
+              </a:rPr>
+              <a:t> </a:t>
+            </a:r>
+            <a:r>
+              <a:rPr lang="en-US" dirty="0" err="1" smtClean="0">
+                <a:cs typeface="Calibri"/>
+              </a:rPr>
+              <a:t>marcassem</a:t>
+            </a:r>
+            <a:r>
+              <a:rPr lang="en-US" dirty="0" smtClean="0">
+                <a:cs typeface="Calibri"/>
+              </a:rPr>
+              <a:t> </a:t>
+            </a:r>
+            <a:r>
+              <a:rPr lang="en-US" dirty="0" err="1" smtClean="0">
+                <a:cs typeface="Calibri"/>
+              </a:rPr>
+              <a:t>partidas</a:t>
+            </a:r>
+            <a:r>
+              <a:rPr lang="en-US" dirty="0" smtClean="0">
+                <a:cs typeface="Calibri"/>
+              </a:rPr>
+              <a:t> com </a:t>
+            </a:r>
+            <a:r>
+              <a:rPr lang="en-US" dirty="0" err="1" smtClean="0">
+                <a:cs typeface="Calibri"/>
+              </a:rPr>
+              <a:t>atletas</a:t>
+            </a:r>
+            <a:r>
+              <a:rPr lang="en-US" dirty="0" smtClean="0">
+                <a:cs typeface="Calibri"/>
+              </a:rPr>
+              <a:t> </a:t>
+            </a:r>
+            <a:r>
+              <a:rPr lang="en-US" dirty="0" err="1" smtClean="0">
+                <a:cs typeface="Calibri"/>
+              </a:rPr>
+              <a:t>diversos</a:t>
             </a:r>
             <a:endParaRPr lang="en-US" dirty="0"/>
           </a:p>
@@ -4253,244 +4081,6 @@
           <a:chExt cx="0" cy="0"/>
         </a:xfrm>
       </p:grpSpPr>
-      <p:sp>
-        <p:nvSpPr>
-          <p:cNvPr id="2" name="Rectangle 1">
-            <a:extLst>
-              <a:ext uri="{FF2B5EF4-FFF2-40B4-BE49-F238E27FC236}">
-                <a16:creationId xmlns:a16="http://schemas.microsoft.com/office/drawing/2014/main" id="{FDD08F72-542A-4FA3-B377-D23A9168D8D1}"/>
-              </a:ext>
-            </a:extLst>
-          </p:cNvPr>
-          <p:cNvSpPr/>
-          <p:nvPr/>
-        </p:nvSpPr>
-        <p:spPr>
-          <a:xfrm>
-            <a:off x="419819" y="542026"/>
-            <a:ext cx="3421809" cy="2055962"/>
-          </a:xfrm>
-          <a:prstGeom prst="rect">
-            <a:avLst/>
-          </a:prstGeom>
-        </p:spPr>
-        <p:style>
-          <a:lnRef idx="2">
-            <a:schemeClr val="accent1">
-              <a:shade val="50000"/>
-            </a:schemeClr>
-          </a:lnRef>
-          <a:fillRef idx="1">
-            <a:schemeClr val="accent1"/>
-          </a:fillRef>
-          <a:effectRef idx="0">
-            <a:schemeClr val="accent1"/>
-          </a:effectRef>
-          <a:fontRef idx="minor">
-            <a:schemeClr val="lt1"/>
-          </a:fontRef>
-        </p:style>
-        <p:txBody>
-          <a:bodyPr rtlCol="0" anchor="ctr"/>
-          <a:lstStyle/>
-          <a:p>
-            <a:pPr algn="ctr"/>
-            <a:r>
-              <a:rPr lang="en-US" dirty="0">
-                <a:cs typeface="Calibri"/>
-              </a:rPr>
-              <a:t>Eu </a:t>
-            </a:r>
-            <a:r>
-              <a:rPr lang="en-US" dirty="0" err="1">
-                <a:cs typeface="Calibri"/>
-              </a:rPr>
-              <a:t>como</a:t>
-            </a:r>
-            <a:r>
-              <a:rPr lang="en-US" dirty="0">
-                <a:cs typeface="Calibri"/>
-              </a:rPr>
-              <a:t> </a:t>
-            </a:r>
-            <a:r>
-              <a:rPr lang="en-US" dirty="0" err="1">
-                <a:cs typeface="Calibri"/>
-              </a:rPr>
-              <a:t>dono</a:t>
-            </a:r>
-            <a:r>
-              <a:rPr lang="en-US" dirty="0">
-                <a:cs typeface="Calibri"/>
-              </a:rPr>
-              <a:t> de </a:t>
-            </a:r>
-            <a:r>
-              <a:rPr lang="en-US" dirty="0" err="1">
-                <a:cs typeface="Calibri"/>
-              </a:rPr>
-              <a:t>clube</a:t>
-            </a:r>
-            <a:r>
-              <a:rPr lang="en-US" dirty="0">
-                <a:cs typeface="Calibri"/>
-              </a:rPr>
-              <a:t> </a:t>
-            </a:r>
-            <a:r>
-              <a:rPr lang="en-US" dirty="0" err="1">
-                <a:cs typeface="Calibri"/>
-              </a:rPr>
-              <a:t>gostaria</a:t>
-            </a:r>
-            <a:r>
-              <a:rPr lang="en-US" dirty="0">
-                <a:cs typeface="Calibri"/>
-              </a:rPr>
-              <a:t> de </a:t>
-            </a:r>
-            <a:r>
-              <a:rPr lang="en-US" dirty="0" err="1">
-                <a:cs typeface="Calibri"/>
-              </a:rPr>
-              <a:t>ter</a:t>
-            </a:r>
-            <a:r>
-              <a:rPr lang="en-US" dirty="0">
-                <a:cs typeface="Calibri"/>
-              </a:rPr>
-              <a:t> </a:t>
-            </a:r>
-            <a:r>
-              <a:rPr lang="en-US" dirty="0" err="1">
-                <a:cs typeface="Calibri"/>
-              </a:rPr>
-              <a:t>acesso</a:t>
-            </a:r>
-            <a:r>
-              <a:rPr lang="en-US" dirty="0">
-                <a:cs typeface="Calibri"/>
-              </a:rPr>
-              <a:t> a </a:t>
-            </a:r>
-            <a:r>
-              <a:rPr lang="en-US" dirty="0" err="1">
-                <a:cs typeface="Calibri"/>
-              </a:rPr>
-              <a:t>ultimos</a:t>
-            </a:r>
-            <a:r>
-              <a:rPr lang="en-US" dirty="0">
-                <a:cs typeface="Calibri"/>
-              </a:rPr>
-              <a:t> </a:t>
-            </a:r>
-            <a:r>
-              <a:rPr lang="en-US" dirty="0" err="1">
-                <a:cs typeface="Calibri"/>
-              </a:rPr>
-              <a:t>jogos</a:t>
-            </a:r>
-            <a:r>
-              <a:rPr lang="en-US" dirty="0">
-                <a:cs typeface="Calibri"/>
-              </a:rPr>
-              <a:t> </a:t>
-            </a:r>
-            <a:r>
-              <a:rPr lang="en-US" dirty="0" err="1">
-                <a:cs typeface="Calibri"/>
-              </a:rPr>
-              <a:t>realizados</a:t>
-            </a:r>
-            <a:r>
-              <a:rPr lang="en-US" dirty="0">
-                <a:cs typeface="Calibri"/>
-              </a:rPr>
-              <a:t> </a:t>
-            </a:r>
-            <a:r>
-              <a:rPr lang="en-US" dirty="0" err="1">
-                <a:cs typeface="Calibri"/>
-              </a:rPr>
-              <a:t>na</a:t>
-            </a:r>
-            <a:r>
-              <a:rPr lang="en-US" dirty="0">
-                <a:cs typeface="Calibri"/>
-              </a:rPr>
-              <a:t> </a:t>
-            </a:r>
-            <a:r>
-              <a:rPr lang="en-US" dirty="0" err="1">
-                <a:cs typeface="Calibri"/>
-              </a:rPr>
-              <a:t>minha</a:t>
-            </a:r>
-            <a:r>
-              <a:rPr lang="en-US" dirty="0">
-                <a:cs typeface="Calibri"/>
-              </a:rPr>
-              <a:t> quadra para </a:t>
-            </a:r>
-            <a:r>
-              <a:rPr lang="en-US" dirty="0" err="1">
-                <a:cs typeface="Calibri"/>
-              </a:rPr>
-              <a:t>maior</a:t>
-            </a:r>
-            <a:r>
-              <a:rPr lang="en-US" dirty="0">
-                <a:cs typeface="Calibri"/>
-              </a:rPr>
-              <a:t> </a:t>
-            </a:r>
-            <a:r>
-              <a:rPr lang="en-US" dirty="0" err="1">
-                <a:cs typeface="Calibri"/>
-              </a:rPr>
-              <a:t>controle</a:t>
-            </a:r>
-            <a:r>
-              <a:rPr lang="en-US" dirty="0">
-                <a:cs typeface="Calibri"/>
-              </a:rPr>
-              <a:t> e </a:t>
-            </a:r>
-            <a:r>
-              <a:rPr lang="en-US" dirty="0" err="1">
-                <a:cs typeface="Calibri"/>
-              </a:rPr>
-              <a:t>tentativa</a:t>
-            </a:r>
-            <a:r>
-              <a:rPr lang="en-US" dirty="0">
-                <a:cs typeface="Calibri"/>
-              </a:rPr>
-              <a:t> de </a:t>
-            </a:r>
-            <a:r>
-              <a:rPr lang="en-US" dirty="0" err="1">
-                <a:cs typeface="Calibri"/>
-              </a:rPr>
-              <a:t>fidelização</a:t>
-            </a:r>
-            <a:r>
-              <a:rPr lang="en-US" dirty="0">
-                <a:cs typeface="Calibri"/>
-              </a:rPr>
-              <a:t> dos meus </a:t>
-            </a:r>
-            <a:r>
-              <a:rPr lang="en-US" dirty="0" err="1">
-                <a:cs typeface="Calibri"/>
-              </a:rPr>
-              <a:t>clientes</a:t>
-            </a:r>
-            <a:endParaRPr lang="en-US" dirty="0" err="1"/>
-          </a:p>
-        </p:txBody>
-      </p:sp>
     </p:spTree>
     <p:extLst>
       <p:ext uri="{BB962C8B-B14F-4D97-AF65-F5344CB8AC3E}">

--- a/Documentação/users stories ppt.pptx
+++ b/Documentação/users stories ppt.pptx
@@ -253,7 +253,7 @@
           <a:p>
             <a:fld id="{846CE7D5-CF57-46EF-B807-FDD0502418D4}" type="datetimeFigureOut">
               <a:rPr lang="en-US" smtClean="0"/>
-              <a:t>9/16/2021</a:t>
+              <a:t>11/30/2021</a:t>
             </a:fld>
             <a:endParaRPr lang="en-US"/>
           </a:p>
@@ -423,7 +423,7 @@
           <a:p>
             <a:fld id="{846CE7D5-CF57-46EF-B807-FDD0502418D4}" type="datetimeFigureOut">
               <a:rPr lang="en-US" smtClean="0"/>
-              <a:t>9/16/2021</a:t>
+              <a:t>11/30/2021</a:t>
             </a:fld>
             <a:endParaRPr lang="en-US"/>
           </a:p>
@@ -603,7 +603,7 @@
           <a:p>
             <a:fld id="{846CE7D5-CF57-46EF-B807-FDD0502418D4}" type="datetimeFigureOut">
               <a:rPr lang="en-US" smtClean="0"/>
-              <a:t>9/16/2021</a:t>
+              <a:t>11/30/2021</a:t>
             </a:fld>
             <a:endParaRPr lang="en-US"/>
           </a:p>
@@ -773,7 +773,7 @@
           <a:p>
             <a:fld id="{846CE7D5-CF57-46EF-B807-FDD0502418D4}" type="datetimeFigureOut">
               <a:rPr lang="en-US" smtClean="0"/>
-              <a:t>9/16/2021</a:t>
+              <a:t>11/30/2021</a:t>
             </a:fld>
             <a:endParaRPr lang="en-US"/>
           </a:p>
@@ -1019,7 +1019,7 @@
           <a:p>
             <a:fld id="{846CE7D5-CF57-46EF-B807-FDD0502418D4}" type="datetimeFigureOut">
               <a:rPr lang="en-US" smtClean="0"/>
-              <a:t>9/16/2021</a:t>
+              <a:t>11/30/2021</a:t>
             </a:fld>
             <a:endParaRPr lang="en-US"/>
           </a:p>
@@ -1251,7 +1251,7 @@
           <a:p>
             <a:fld id="{846CE7D5-CF57-46EF-B807-FDD0502418D4}" type="datetimeFigureOut">
               <a:rPr lang="en-US" smtClean="0"/>
-              <a:t>9/16/2021</a:t>
+              <a:t>11/30/2021</a:t>
             </a:fld>
             <a:endParaRPr lang="en-US"/>
           </a:p>
@@ -1618,7 +1618,7 @@
           <a:p>
             <a:fld id="{846CE7D5-CF57-46EF-B807-FDD0502418D4}" type="datetimeFigureOut">
               <a:rPr lang="en-US" smtClean="0"/>
-              <a:t>9/16/2021</a:t>
+              <a:t>11/30/2021</a:t>
             </a:fld>
             <a:endParaRPr lang="en-US"/>
           </a:p>
@@ -1736,7 +1736,7 @@
           <a:p>
             <a:fld id="{846CE7D5-CF57-46EF-B807-FDD0502418D4}" type="datetimeFigureOut">
               <a:rPr lang="en-US" smtClean="0"/>
-              <a:t>9/16/2021</a:t>
+              <a:t>11/30/2021</a:t>
             </a:fld>
             <a:endParaRPr lang="en-US"/>
           </a:p>
@@ -1831,7 +1831,7 @@
           <a:p>
             <a:fld id="{846CE7D5-CF57-46EF-B807-FDD0502418D4}" type="datetimeFigureOut">
               <a:rPr lang="en-US" smtClean="0"/>
-              <a:t>9/16/2021</a:t>
+              <a:t>11/30/2021</a:t>
             </a:fld>
             <a:endParaRPr lang="en-US"/>
           </a:p>
@@ -2108,7 +2108,7 @@
           <a:p>
             <a:fld id="{846CE7D5-CF57-46EF-B807-FDD0502418D4}" type="datetimeFigureOut">
               <a:rPr lang="en-US" smtClean="0"/>
-              <a:t>9/16/2021</a:t>
+              <a:t>11/30/2021</a:t>
             </a:fld>
             <a:endParaRPr lang="en-US"/>
           </a:p>
@@ -2365,7 +2365,7 @@
           <a:p>
             <a:fld id="{846CE7D5-CF57-46EF-B807-FDD0502418D4}" type="datetimeFigureOut">
               <a:rPr lang="en-US" smtClean="0"/>
-              <a:t>9/16/2021</a:t>
+              <a:t>11/30/2021</a:t>
             </a:fld>
             <a:endParaRPr lang="en-US"/>
           </a:p>
@@ -2578,7 +2578,7 @@
           <a:p>
             <a:fld id="{846CE7D5-CF57-46EF-B807-FDD0502418D4}" type="datetimeFigureOut">
               <a:rPr lang="en-US" smtClean="0"/>
-              <a:t>9/16/2021</a:t>
+              <a:t>11/30/2021</a:t>
             </a:fld>
             <a:endParaRPr lang="en-US"/>
           </a:p>
@@ -3026,13 +3026,13 @@
           <a:p>
             <a:pPr algn="ctr"/>
             <a:r>
-              <a:rPr lang="en-US" dirty="0" err="1" smtClean="0">
+              <a:rPr lang="en-US" dirty="0" err="1">
                 <a:cs typeface="Calibri"/>
               </a:rPr>
               <a:t>Eu</a:t>
             </a:r>
             <a:r>
-              <a:rPr lang="en-US" dirty="0" smtClean="0">
+              <a:rPr lang="en-US" dirty="0">
                 <a:cs typeface="Calibri"/>
               </a:rPr>
               <a:t>, </a:t>
@@ -3062,13 +3062,13 @@
               <a:t> de </a:t>
             </a:r>
             <a:r>
-              <a:rPr lang="en-US" dirty="0" err="1" smtClean="0">
+              <a:rPr lang="en-US" dirty="0" err="1">
                 <a:cs typeface="Calibri"/>
               </a:rPr>
               <a:t>clube</a:t>
             </a:r>
             <a:r>
-              <a:rPr lang="en-US" dirty="0" smtClean="0">
+              <a:rPr lang="en-US" dirty="0">
                 <a:cs typeface="Calibri"/>
               </a:rPr>
               <a:t>, </a:t>
@@ -3282,10 +3282,130 @@
           <a:p>
             <a:pPr algn="ctr"/>
             <a:r>
-              <a:rPr lang="en-US">
-                <a:cs typeface="Calibri"/>
-              </a:rPr>
-              <a:t>Eu, como dono de Quadra, gostaria de um Sistema para organizer reservas de partidas para ter um controle melhor do meu estabelecimento.</a:t>
+              <a:rPr lang="en-US" dirty="0">
+                <a:cs typeface="Calibri"/>
+              </a:rPr>
+              <a:t>Eu, </a:t>
+            </a:r>
+            <a:r>
+              <a:rPr lang="en-US" dirty="0" err="1">
+                <a:cs typeface="Calibri"/>
+              </a:rPr>
+              <a:t>como</a:t>
+            </a:r>
+            <a:r>
+              <a:rPr lang="en-US" dirty="0">
+                <a:cs typeface="Calibri"/>
+              </a:rPr>
+              <a:t> </a:t>
+            </a:r>
+            <a:r>
+              <a:rPr lang="en-US" dirty="0" err="1">
+                <a:cs typeface="Calibri"/>
+              </a:rPr>
+              <a:t>dono</a:t>
+            </a:r>
+            <a:r>
+              <a:rPr lang="en-US" dirty="0">
+                <a:cs typeface="Calibri"/>
+              </a:rPr>
+              <a:t> de Quadra, </a:t>
+            </a:r>
+            <a:r>
+              <a:rPr lang="en-US" dirty="0" err="1">
+                <a:cs typeface="Calibri"/>
+              </a:rPr>
+              <a:t>gostaria</a:t>
+            </a:r>
+            <a:r>
+              <a:rPr lang="en-US" dirty="0">
+                <a:cs typeface="Calibri"/>
+              </a:rPr>
+              <a:t> de um Sistema para </a:t>
+            </a:r>
+            <a:r>
+              <a:rPr lang="en-US" dirty="0" err="1">
+                <a:cs typeface="Calibri"/>
+              </a:rPr>
+              <a:t>organizar</a:t>
+            </a:r>
+            <a:r>
+              <a:rPr lang="en-US" dirty="0">
+                <a:cs typeface="Calibri"/>
+              </a:rPr>
+              <a:t> </a:t>
+            </a:r>
+            <a:r>
+              <a:rPr lang="en-US" dirty="0" err="1">
+                <a:cs typeface="Calibri"/>
+              </a:rPr>
+              <a:t>reservas</a:t>
+            </a:r>
+            <a:r>
+              <a:rPr lang="en-US" dirty="0">
+                <a:cs typeface="Calibri"/>
+              </a:rPr>
+              <a:t> de </a:t>
+            </a:r>
+            <a:r>
+              <a:rPr lang="en-US" dirty="0" err="1">
+                <a:cs typeface="Calibri"/>
+              </a:rPr>
+              <a:t>partidas</a:t>
+            </a:r>
+            <a:r>
+              <a:rPr lang="en-US" dirty="0">
+                <a:cs typeface="Calibri"/>
+              </a:rPr>
+              <a:t> para </a:t>
+            </a:r>
+            <a:r>
+              <a:rPr lang="en-US" dirty="0" err="1">
+                <a:cs typeface="Calibri"/>
+              </a:rPr>
+              <a:t>ter</a:t>
+            </a:r>
+            <a:r>
+              <a:rPr lang="en-US" dirty="0">
+                <a:cs typeface="Calibri"/>
+              </a:rPr>
+              <a:t> um </a:t>
+            </a:r>
+            <a:r>
+              <a:rPr lang="en-US" dirty="0" err="1">
+                <a:cs typeface="Calibri"/>
+              </a:rPr>
+              <a:t>controle</a:t>
+            </a:r>
+            <a:r>
+              <a:rPr lang="en-US" dirty="0">
+                <a:cs typeface="Calibri"/>
+              </a:rPr>
+              <a:t> </a:t>
+            </a:r>
+            <a:r>
+              <a:rPr lang="en-US" dirty="0" err="1">
+                <a:cs typeface="Calibri"/>
+              </a:rPr>
+              <a:t>melhor</a:t>
+            </a:r>
+            <a:r>
+              <a:rPr lang="en-US" dirty="0">
+                <a:cs typeface="Calibri"/>
+              </a:rPr>
+              <a:t> do meu </a:t>
+            </a:r>
+            <a:r>
+              <a:rPr lang="en-US" dirty="0" err="1">
+                <a:cs typeface="Calibri"/>
+              </a:rPr>
+              <a:t>estabelecimento</a:t>
+            </a:r>
+            <a:r>
+              <a:rPr lang="en-US" dirty="0">
+                <a:cs typeface="Calibri"/>
+              </a:rPr>
+              <a:t>.</a:t>
             </a:r>
             <a:endParaRPr lang="en-US" dirty="0"/>
           </a:p>
@@ -3370,46 +3490,40 @@
               <a:t> de </a:t>
             </a:r>
             <a:r>
-              <a:rPr lang="en-US" dirty="0" err="1" smtClean="0">
+              <a:rPr lang="en-US" dirty="0" err="1">
                 <a:cs typeface="Calibri"/>
               </a:rPr>
               <a:t>quadra</a:t>
             </a:r>
             <a:r>
-              <a:rPr lang="en-US" dirty="0" smtClean="0">
+              <a:rPr lang="en-US" dirty="0">
                 <a:cs typeface="Calibri"/>
               </a:rPr>
               <a:t>, </a:t>
             </a:r>
             <a:r>
-              <a:rPr lang="en-US" dirty="0" err="1" smtClean="0">
+              <a:rPr lang="en-US" dirty="0" err="1">
                 <a:cs typeface="Calibri"/>
               </a:rPr>
               <a:t>gostaria</a:t>
             </a:r>
             <a:r>
-              <a:rPr lang="en-US" dirty="0" smtClean="0">
+              <a:rPr lang="en-US" dirty="0">
                 <a:cs typeface="Calibri"/>
               </a:rPr>
               <a:t> de um Sistema que </a:t>
             </a:r>
             <a:r>
-              <a:rPr lang="en-US" dirty="0" err="1" smtClean="0">
+              <a:rPr lang="en-US" dirty="0" err="1">
                 <a:cs typeface="Calibri"/>
               </a:rPr>
               <a:t>mostrasse</a:t>
             </a:r>
             <a:r>
-              <a:rPr lang="en-US" dirty="0" smtClean="0">
-                <a:cs typeface="Calibri"/>
-              </a:rPr>
-              <a:t> </a:t>
-            </a:r>
-            <a:r>
-              <a:rPr lang="en-US" dirty="0">
-                <a:cs typeface="Calibri"/>
-              </a:rPr>
-              <a:t>a </a:t>
+              <a:rPr lang="en-US" dirty="0">
+                <a:cs typeface="Calibri"/>
+              </a:rPr>
+              <a:t> a </a:t>
             </a:r>
             <a:r>
               <a:rPr lang="en-US" dirty="0" err="1">
@@ -3530,214 +3644,136 @@
           <a:p>
             <a:pPr algn="ctr"/>
             <a:r>
-              <a:rPr lang="en-US" dirty="0" err="1" smtClean="0">
-                <a:cs typeface="Calibri"/>
-              </a:rPr>
-              <a:t>Eu</a:t>
-            </a:r>
-            <a:r>
-              <a:rPr lang="en-US" dirty="0" smtClean="0">
+              <a:rPr lang="en-US" dirty="0">
+                <a:cs typeface="Calibri"/>
+              </a:rPr>
+              <a:t>Eu, </a:t>
+            </a:r>
+            <a:r>
+              <a:rPr lang="en-US" dirty="0" err="1">
+                <a:cs typeface="Calibri"/>
+              </a:rPr>
+              <a:t>como</a:t>
+            </a:r>
+            <a:r>
+              <a:rPr lang="en-US" dirty="0">
+                <a:cs typeface="Calibri"/>
+              </a:rPr>
+              <a:t> </a:t>
+            </a:r>
+            <a:r>
+              <a:rPr lang="en-US" dirty="0" err="1">
+                <a:cs typeface="Calibri"/>
+              </a:rPr>
+              <a:t>Atleta</a:t>
+            </a:r>
+            <a:r>
+              <a:rPr lang="en-US" dirty="0">
                 <a:cs typeface="Calibri"/>
               </a:rPr>
               <a:t>, </a:t>
             </a:r>
             <a:r>
-              <a:rPr lang="en-US" dirty="0" err="1" smtClean="0">
-                <a:cs typeface="Calibri"/>
-              </a:rPr>
-              <a:t>como</a:t>
-            </a:r>
-            <a:r>
-              <a:rPr lang="en-US" dirty="0" smtClean="0">
+              <a:rPr lang="en-US" dirty="0" err="1">
+                <a:cs typeface="Calibri"/>
+              </a:rPr>
+              <a:t>gostaria</a:t>
+            </a:r>
+            <a:r>
+              <a:rPr lang="en-US" dirty="0">
+                <a:cs typeface="Calibri"/>
+              </a:rPr>
+              <a:t> de </a:t>
+            </a:r>
+            <a:r>
+              <a:rPr lang="en-US" dirty="0" err="1">
+                <a:cs typeface="Calibri"/>
+              </a:rPr>
+              <a:t>reservar</a:t>
+            </a:r>
+            <a:r>
+              <a:rPr lang="en-US" dirty="0">
                 <a:cs typeface="Calibri"/>
               </a:rPr>
               <a:t> </a:t>
             </a:r>
             <a:r>
-              <a:rPr lang="en-US" dirty="0" err="1" smtClean="0">
-                <a:cs typeface="Calibri"/>
-              </a:rPr>
-              <a:t>dono</a:t>
-            </a:r>
-            <a:r>
-              <a:rPr lang="en-US" dirty="0" smtClean="0">
+              <a:rPr lang="en-US" dirty="0" err="1">
+                <a:cs typeface="Calibri"/>
+              </a:rPr>
+              <a:t>quadras</a:t>
+            </a:r>
+            <a:r>
+              <a:rPr lang="en-US" dirty="0">
+                <a:cs typeface="Calibri"/>
+              </a:rPr>
+              <a:t> </a:t>
+            </a:r>
+            <a:r>
+              <a:rPr lang="en-US" dirty="0" err="1">
+                <a:cs typeface="Calibri"/>
+              </a:rPr>
+              <a:t>proximas</a:t>
+            </a:r>
+            <a:r>
+              <a:rPr lang="en-US" dirty="0">
                 <a:cs typeface="Calibri"/>
               </a:rPr>
               <a:t> de </a:t>
             </a:r>
             <a:r>
-              <a:rPr lang="en-US" dirty="0" err="1" smtClean="0">
-                <a:cs typeface="Calibri"/>
-              </a:rPr>
-              <a:t>clube</a:t>
-            </a:r>
-            <a:r>
-              <a:rPr lang="en-US" dirty="0" smtClean="0">
-                <a:cs typeface="Calibri"/>
-              </a:rPr>
-              <a:t>, </a:t>
-            </a:r>
-            <a:r>
-              <a:rPr lang="en-US" dirty="0" err="1" smtClean="0">
-                <a:cs typeface="Calibri"/>
-              </a:rPr>
-              <a:t>gostaria</a:t>
-            </a:r>
-            <a:r>
-              <a:rPr lang="en-US" dirty="0" smtClean="0">
-                <a:cs typeface="Calibri"/>
-              </a:rPr>
-              <a:t> de </a:t>
-            </a:r>
-            <a:r>
-              <a:rPr lang="en-US" dirty="0" err="1" smtClean="0">
-                <a:cs typeface="Calibri"/>
-              </a:rPr>
-              <a:t>ter</a:t>
-            </a:r>
-            <a:r>
-              <a:rPr lang="en-US" dirty="0" smtClean="0">
+              <a:rPr lang="en-US" dirty="0" err="1">
+                <a:cs typeface="Calibri"/>
+              </a:rPr>
+              <a:t>mim</a:t>
+            </a:r>
+            <a:r>
+              <a:rPr lang="en-US" dirty="0">
+                <a:cs typeface="Calibri"/>
+              </a:rPr>
+              <a:t> para ser </a:t>
+            </a:r>
+            <a:r>
+              <a:rPr lang="en-US" dirty="0" err="1">
+                <a:cs typeface="Calibri"/>
+              </a:rPr>
+              <a:t>mais</a:t>
+            </a:r>
+            <a:r>
+              <a:rPr lang="en-US" dirty="0">
                 <a:cs typeface="Calibri"/>
               </a:rPr>
               <a:t> </a:t>
             </a:r>
             <a:r>
-              <a:rPr lang="en-US" dirty="0" err="1" smtClean="0">
-                <a:cs typeface="Calibri"/>
-              </a:rPr>
-              <a:t>acesso</a:t>
-            </a:r>
-            <a:r>
-              <a:rPr lang="en-US" dirty="0" smtClean="0">
+              <a:rPr lang="en-US" dirty="0" err="1">
+                <a:cs typeface="Calibri"/>
+              </a:rPr>
+              <a:t>confortavel</a:t>
+            </a:r>
+            <a:r>
+              <a:rPr lang="en-US" dirty="0">
                 <a:cs typeface="Calibri"/>
               </a:rPr>
               <a:t> a </a:t>
             </a:r>
             <a:r>
-              <a:rPr lang="en-US" dirty="0" err="1" smtClean="0">
-                <a:cs typeface="Calibri"/>
-              </a:rPr>
-              <a:t>ultimos</a:t>
-            </a:r>
-            <a:r>
-              <a:rPr lang="en-US" dirty="0" smtClean="0">
+              <a:rPr lang="en-US" dirty="0" err="1">
+                <a:cs typeface="Calibri"/>
+              </a:rPr>
+              <a:t>minha</a:t>
+            </a:r>
+            <a:r>
+              <a:rPr lang="en-US" dirty="0">
                 <a:cs typeface="Calibri"/>
               </a:rPr>
               <a:t> </a:t>
             </a:r>
             <a:r>
-              <a:rPr lang="en-US" dirty="0" err="1" smtClean="0">
-                <a:cs typeface="Calibri"/>
-              </a:rPr>
-              <a:t>jogos</a:t>
-            </a:r>
-            <a:r>
-              <a:rPr lang="en-US" dirty="0" smtClean="0">
-                <a:cs typeface="Calibri"/>
-              </a:rPr>
-              <a:t> </a:t>
-            </a:r>
-            <a:r>
-              <a:rPr lang="en-US" dirty="0" err="1" smtClean="0">
-                <a:cs typeface="Calibri"/>
-              </a:rPr>
-              <a:t>realizados</a:t>
-            </a:r>
-            <a:r>
-              <a:rPr lang="en-US" dirty="0" smtClean="0">
-                <a:cs typeface="Calibri"/>
-              </a:rPr>
-              <a:t> </a:t>
-            </a:r>
-            <a:r>
-              <a:rPr lang="en-US" dirty="0" err="1" smtClean="0">
-                <a:cs typeface="Calibri"/>
-              </a:rPr>
-              <a:t>na</a:t>
-            </a:r>
-            <a:r>
-              <a:rPr lang="en-US" dirty="0" smtClean="0">
-                <a:cs typeface="Calibri"/>
-              </a:rPr>
-              <a:t> </a:t>
-            </a:r>
-            <a:r>
-              <a:rPr lang="en-US" dirty="0" err="1" smtClean="0">
-                <a:cs typeface="Calibri"/>
-              </a:rPr>
-              <a:t>minha</a:t>
-            </a:r>
-            <a:r>
-              <a:rPr lang="en-US" dirty="0" smtClean="0">
-                <a:cs typeface="Calibri"/>
-              </a:rPr>
-              <a:t> </a:t>
-            </a:r>
-            <a:r>
-              <a:rPr lang="en-US" dirty="0" err="1" smtClean="0">
-                <a:cs typeface="Calibri"/>
-              </a:rPr>
-              <a:t>quadra</a:t>
-            </a:r>
-            <a:r>
-              <a:rPr lang="en-US" dirty="0" smtClean="0">
-                <a:cs typeface="Calibri"/>
-              </a:rPr>
-              <a:t> para </a:t>
-            </a:r>
-            <a:r>
-              <a:rPr lang="en-US" dirty="0" err="1" smtClean="0">
-                <a:cs typeface="Calibri"/>
-              </a:rPr>
-              <a:t>maior</a:t>
-            </a:r>
-            <a:r>
-              <a:rPr lang="en-US" dirty="0" smtClean="0">
-                <a:cs typeface="Calibri"/>
-              </a:rPr>
-              <a:t> </a:t>
-            </a:r>
-            <a:r>
-              <a:rPr lang="en-US" dirty="0" err="1" smtClean="0">
-                <a:cs typeface="Calibri"/>
-              </a:rPr>
-              <a:t>controle</a:t>
-            </a:r>
-            <a:r>
-              <a:rPr lang="en-US" dirty="0" smtClean="0">
-                <a:cs typeface="Calibri"/>
-              </a:rPr>
-              <a:t> e </a:t>
-            </a:r>
-            <a:r>
-              <a:rPr lang="en-US" dirty="0" err="1" smtClean="0">
-                <a:cs typeface="Calibri"/>
-              </a:rPr>
-              <a:t>tentativa</a:t>
-            </a:r>
-            <a:r>
-              <a:rPr lang="en-US" dirty="0" smtClean="0">
-                <a:cs typeface="Calibri"/>
-              </a:rPr>
-              <a:t> de </a:t>
-            </a:r>
-            <a:r>
-              <a:rPr lang="en-US" dirty="0" err="1" smtClean="0">
-                <a:cs typeface="Calibri"/>
-              </a:rPr>
-              <a:t>fidelização</a:t>
-            </a:r>
-            <a:r>
-              <a:rPr lang="en-US" dirty="0" smtClean="0">
-                <a:cs typeface="Calibri"/>
-              </a:rPr>
-              <a:t> dos meus </a:t>
-            </a:r>
-            <a:r>
-              <a:rPr lang="en-US" dirty="0" err="1" smtClean="0">
-                <a:cs typeface="Calibri"/>
-              </a:rPr>
-              <a:t>clientes</a:t>
+              <a:rPr lang="en-US" dirty="0" err="1">
+                <a:cs typeface="Calibri"/>
+              </a:rPr>
+              <a:t>locomoção</a:t>
             </a:r>
             <a:endParaRPr lang="en-US" dirty="0"/>
           </a:p>
@@ -3786,106 +3822,112 @@
           <a:p>
             <a:pPr algn="ctr"/>
             <a:r>
-              <a:rPr lang="en-US" dirty="0" err="1" smtClean="0">
-                <a:cs typeface="Calibri"/>
-              </a:rPr>
-              <a:t>Eu</a:t>
-            </a:r>
-            <a:r>
-              <a:rPr lang="en-US" dirty="0" smtClean="0">
+              <a:rPr lang="en-US" dirty="0">
+                <a:cs typeface="Calibri"/>
+              </a:rPr>
+              <a:t>Eu, </a:t>
+            </a:r>
+            <a:r>
+              <a:rPr lang="en-US" dirty="0" err="1">
+                <a:cs typeface="Calibri"/>
+              </a:rPr>
+              <a:t>como</a:t>
+            </a:r>
+            <a:r>
+              <a:rPr lang="en-US" dirty="0">
+                <a:cs typeface="Calibri"/>
+              </a:rPr>
+              <a:t> </a:t>
+            </a:r>
+            <a:r>
+              <a:rPr lang="en-US" dirty="0" err="1">
+                <a:cs typeface="Calibri"/>
+              </a:rPr>
+              <a:t>Atleta</a:t>
+            </a:r>
+            <a:r>
+              <a:rPr lang="en-US" dirty="0">
                 <a:cs typeface="Calibri"/>
               </a:rPr>
               <a:t>, </a:t>
             </a:r>
             <a:r>
-              <a:rPr lang="en-US" dirty="0" err="1" smtClean="0">
-                <a:cs typeface="Calibri"/>
-              </a:rPr>
-              <a:t>como</a:t>
-            </a:r>
-            <a:r>
-              <a:rPr lang="en-US" dirty="0" smtClean="0">
+              <a:rPr lang="en-US" dirty="0" err="1">
+                <a:cs typeface="Calibri"/>
+              </a:rPr>
+              <a:t>gostaria</a:t>
+            </a:r>
+            <a:r>
+              <a:rPr lang="en-US" dirty="0">
+                <a:cs typeface="Calibri"/>
+              </a:rPr>
+              <a:t> de </a:t>
+            </a:r>
+            <a:r>
+              <a:rPr lang="en-US" dirty="0" err="1">
+                <a:cs typeface="Calibri"/>
+              </a:rPr>
+              <a:t>reservar</a:t>
+            </a:r>
+            <a:r>
+              <a:rPr lang="en-US" dirty="0">
                 <a:cs typeface="Calibri"/>
               </a:rPr>
               <a:t> </a:t>
             </a:r>
             <a:r>
-              <a:rPr lang="en-US" dirty="0" err="1" smtClean="0">
-                <a:cs typeface="Calibri"/>
-              </a:rPr>
-              <a:t>dono</a:t>
-            </a:r>
-            <a:r>
-              <a:rPr lang="en-US" dirty="0" smtClean="0">
-                <a:cs typeface="Calibri"/>
-              </a:rPr>
-              <a:t> de </a:t>
-            </a:r>
-            <a:r>
-              <a:rPr lang="en-US" dirty="0" err="1" smtClean="0">
-                <a:cs typeface="Calibri"/>
-              </a:rPr>
-              <a:t>quadra</a:t>
-            </a:r>
-            <a:r>
-              <a:rPr lang="en-US" dirty="0" smtClean="0">
-                <a:cs typeface="Calibri"/>
-              </a:rPr>
-              <a:t>, </a:t>
-            </a:r>
-            <a:r>
-              <a:rPr lang="en-US" dirty="0" err="1" smtClean="0">
-                <a:cs typeface="Calibri"/>
-              </a:rPr>
-              <a:t>gostaria</a:t>
-            </a:r>
-            <a:r>
-              <a:rPr lang="en-US" dirty="0" smtClean="0">
-                <a:cs typeface="Calibri"/>
-              </a:rPr>
-              <a:t> que meus clients </a:t>
-            </a:r>
-            <a:r>
-              <a:rPr lang="en-US" dirty="0" err="1" smtClean="0">
-                <a:cs typeface="Calibri"/>
-              </a:rPr>
-              <a:t>marcassem</a:t>
-            </a:r>
-            <a:r>
-              <a:rPr lang="en-US" dirty="0" smtClean="0">
+              <a:rPr lang="en-US" dirty="0" err="1">
+                <a:cs typeface="Calibri"/>
+              </a:rPr>
+              <a:t>horarios</a:t>
+            </a:r>
+            <a:r>
+              <a:rPr lang="en-US" dirty="0">
+                <a:cs typeface="Calibri"/>
+              </a:rPr>
+              <a:t> para meus </a:t>
+            </a:r>
+            <a:r>
+              <a:rPr lang="en-US" dirty="0" err="1">
+                <a:cs typeface="Calibri"/>
+              </a:rPr>
+              <a:t>jogos</a:t>
+            </a:r>
+            <a:r>
+              <a:rPr lang="en-US" dirty="0">
                 <a:cs typeface="Calibri"/>
               </a:rPr>
               <a:t> </a:t>
             </a:r>
             <a:r>
-              <a:rPr lang="en-US" dirty="0" err="1" smtClean="0">
-                <a:cs typeface="Calibri"/>
-              </a:rPr>
-              <a:t>partidas</a:t>
-            </a:r>
-            <a:r>
-              <a:rPr lang="en-US" dirty="0" smtClean="0">
-                <a:cs typeface="Calibri"/>
-              </a:rPr>
-              <a:t> com </a:t>
-            </a:r>
-            <a:r>
-              <a:rPr lang="en-US" dirty="0" err="1" smtClean="0">
-                <a:cs typeface="Calibri"/>
-              </a:rPr>
-              <a:t>atletas</a:t>
-            </a:r>
-            <a:r>
-              <a:rPr lang="en-US" dirty="0" smtClean="0">
+              <a:rPr lang="en-US" dirty="0" err="1">
+                <a:cs typeface="Calibri"/>
+              </a:rPr>
+              <a:t>nas</a:t>
+            </a:r>
+            <a:r>
+              <a:rPr lang="en-US" dirty="0">
                 <a:cs typeface="Calibri"/>
               </a:rPr>
               <a:t> </a:t>
             </a:r>
             <a:r>
-              <a:rPr lang="en-US" dirty="0" err="1" smtClean="0">
-                <a:cs typeface="Calibri"/>
-              </a:rPr>
-              <a:t>diversos</a:t>
+              <a:rPr lang="en-US" dirty="0" err="1">
+                <a:cs typeface="Calibri"/>
+              </a:rPr>
+              <a:t>nas</a:t>
+            </a:r>
+            <a:r>
+              <a:rPr lang="en-US" dirty="0">
+                <a:cs typeface="Calibri"/>
+              </a:rPr>
+              <a:t> </a:t>
+            </a:r>
+            <a:r>
+              <a:rPr lang="en-US" dirty="0" err="1">
+                <a:cs typeface="Calibri"/>
+              </a:rPr>
+              <a:t>quadras</a:t>
             </a:r>
             <a:endParaRPr lang="en-US" dirty="0"/>
           </a:p>
@@ -3934,118 +3976,124 @@
           <a:p>
             <a:pPr algn="ctr"/>
             <a:r>
-              <a:rPr lang="en-US" dirty="0" err="1" smtClean="0">
-                <a:cs typeface="Calibri"/>
-              </a:rPr>
-              <a:t>Eu</a:t>
-            </a:r>
-            <a:r>
-              <a:rPr lang="en-US" dirty="0" smtClean="0">
-                <a:cs typeface="Calibri"/>
-              </a:rPr>
-              <a:t>, </a:t>
-            </a:r>
-            <a:r>
-              <a:rPr lang="en-US" dirty="0" err="1" smtClean="0">
+              <a:rPr lang="en-US" dirty="0">
+                <a:cs typeface="Calibri"/>
+              </a:rPr>
+              <a:t>Eu, </a:t>
+            </a:r>
+            <a:r>
+              <a:rPr lang="en-US" dirty="0" err="1">
                 <a:cs typeface="Calibri"/>
               </a:rPr>
               <a:t>como</a:t>
             </a:r>
             <a:r>
-              <a:rPr lang="en-US" dirty="0" smtClean="0">
+              <a:rPr lang="en-US" dirty="0">
                 <a:cs typeface="Calibri"/>
               </a:rPr>
               <a:t> </a:t>
             </a:r>
             <a:r>
-              <a:rPr lang="en-US" dirty="0" err="1" smtClean="0">
-                <a:cs typeface="Calibri"/>
-              </a:rPr>
-              <a:t>dono</a:t>
-            </a:r>
-            <a:r>
-              <a:rPr lang="en-US" dirty="0" smtClean="0">
-                <a:cs typeface="Calibri"/>
-              </a:rPr>
-              <a:t> de </a:t>
-            </a:r>
-            <a:r>
-              <a:rPr lang="en-US" dirty="0" err="1" smtClean="0">
-                <a:cs typeface="Calibri"/>
-              </a:rPr>
-              <a:t>quadra</a:t>
-            </a:r>
-            <a:r>
-              <a:rPr lang="en-US" dirty="0" smtClean="0">
-                <a:cs typeface="Calibri"/>
-              </a:rPr>
-              <a:t>, </a:t>
-            </a:r>
-            <a:r>
-              <a:rPr lang="en-US" dirty="0" err="1" smtClean="0">
+              <a:rPr lang="en-US" dirty="0" err="1">
+                <a:cs typeface="Calibri"/>
+              </a:rPr>
+              <a:t>Atleta</a:t>
+            </a:r>
+            <a:r>
+              <a:rPr lang="en-US" dirty="0">
+                <a:cs typeface="Calibri"/>
+              </a:rPr>
+              <a:t> </a:t>
+            </a:r>
+            <a:r>
+              <a:rPr lang="en-US" dirty="0" err="1">
                 <a:cs typeface="Calibri"/>
               </a:rPr>
               <a:t>gostaria</a:t>
             </a:r>
             <a:r>
-              <a:rPr lang="en-US" dirty="0" smtClean="0">
-                <a:cs typeface="Calibri"/>
-              </a:rPr>
-              <a:t> que meus </a:t>
-            </a:r>
-            <a:r>
-              <a:rPr lang="en-US" dirty="0" err="1" smtClean="0">
-                <a:cs typeface="Calibri"/>
-              </a:rPr>
-              <a:t>clientes</a:t>
-            </a:r>
-            <a:r>
-              <a:rPr lang="en-US" dirty="0" smtClean="0">
+              <a:rPr lang="en-US" dirty="0">
                 <a:cs typeface="Calibri"/>
               </a:rPr>
               <a:t> </a:t>
             </a:r>
             <a:r>
-              <a:rPr lang="en-US" dirty="0" err="1" smtClean="0">
-                <a:cs typeface="Calibri"/>
-              </a:rPr>
-              <a:t>marcassem</a:t>
-            </a:r>
-            <a:r>
-              <a:rPr lang="en-US" dirty="0" smtClean="0">
+              <a:rPr lang="en-US" dirty="0" err="1">
+                <a:cs typeface="Calibri"/>
+              </a:rPr>
+              <a:t>poder</a:t>
+            </a:r>
+            <a:r>
+              <a:rPr lang="en-US" dirty="0">
                 <a:cs typeface="Calibri"/>
               </a:rPr>
               <a:t> </a:t>
             </a:r>
             <a:r>
-              <a:rPr lang="en-US" dirty="0" err="1" smtClean="0">
-                <a:cs typeface="Calibri"/>
-              </a:rPr>
-              <a:t>partidas</a:t>
-            </a:r>
-            <a:r>
-              <a:rPr lang="en-US" dirty="0" smtClean="0">
-                <a:cs typeface="Calibri"/>
-              </a:rPr>
-              <a:t> com </a:t>
-            </a:r>
-            <a:r>
-              <a:rPr lang="en-US" dirty="0" err="1" smtClean="0">
-                <a:cs typeface="Calibri"/>
-              </a:rPr>
-              <a:t>atletas</a:t>
-            </a:r>
-            <a:r>
-              <a:rPr lang="en-US" dirty="0" smtClean="0">
+              <a:rPr lang="en-US" dirty="0" err="1">
+                <a:cs typeface="Calibri"/>
+              </a:rPr>
+              <a:t>olhar</a:t>
+            </a:r>
+            <a:r>
+              <a:rPr lang="en-US" dirty="0">
                 <a:cs typeface="Calibri"/>
               </a:rPr>
               <a:t> </a:t>
             </a:r>
             <a:r>
-              <a:rPr lang="en-US" dirty="0" err="1" smtClean="0">
-                <a:cs typeface="Calibri"/>
-              </a:rPr>
-              <a:t>diversos</a:t>
+              <a:rPr lang="en-US" dirty="0" err="1">
+                <a:cs typeface="Calibri"/>
+              </a:rPr>
+              <a:t>os</a:t>
+            </a:r>
+            <a:r>
+              <a:rPr lang="en-US" dirty="0">
+                <a:cs typeface="Calibri"/>
+              </a:rPr>
+              <a:t> </a:t>
+            </a:r>
+            <a:r>
+              <a:rPr lang="en-US" dirty="0" err="1">
+                <a:cs typeface="Calibri"/>
+              </a:rPr>
+              <a:t>horarios</a:t>
+            </a:r>
+            <a:r>
+              <a:rPr lang="en-US" dirty="0">
+                <a:cs typeface="Calibri"/>
+              </a:rPr>
+              <a:t> </a:t>
+            </a:r>
+            <a:r>
+              <a:rPr lang="en-US" dirty="0" err="1">
+                <a:cs typeface="Calibri"/>
+              </a:rPr>
+              <a:t>disponiveis</a:t>
+            </a:r>
+            <a:r>
+              <a:rPr lang="en-US" dirty="0">
+                <a:cs typeface="Calibri"/>
+              </a:rPr>
+              <a:t> para reserve para </a:t>
+            </a:r>
+            <a:r>
+              <a:rPr lang="en-US" dirty="0" err="1">
+                <a:cs typeface="Calibri"/>
+              </a:rPr>
+              <a:t>conseguir</a:t>
+            </a:r>
+            <a:r>
+              <a:rPr lang="en-US" dirty="0">
+                <a:cs typeface="Calibri"/>
+              </a:rPr>
+              <a:t> organizer meu </a:t>
+            </a:r>
+            <a:r>
+              <a:rPr lang="en-US" dirty="0" err="1">
+                <a:cs typeface="Calibri"/>
+              </a:rPr>
+              <a:t>dia</a:t>
             </a:r>
             <a:endParaRPr lang="en-US" dirty="0"/>
           </a:p>
